--- a/docs/AMLToolingC_Short.pptx
+++ b/docs/AMLToolingC_Short.pptx
@@ -821,21 +821,26 @@
           <a:p>
             <a:r>
               <a:rPr lang="en-US" dirty="0" smtClean="0"/>
-              <a:t>But in my world, if my model stops at Hemoglobin test then</a:t>
+              <a:t>This slide shows the instance data that is valid for that class level.  This</a:t>
             </a:r>
             <a:r>
               <a:rPr lang="en-US" baseline="0" dirty="0" smtClean="0"/>
-              <a:t> any data about A1C test will not have any meaning or value.  So there is a problem. Even if there is a common model, users will extend it based on their needs and create data instances for the extensions.</a:t>
-            </a:r>
-          </a:p>
-          <a:p>
+              <a:t> slide was inspired by Harold </a:t>
+            </a:r>
+            <a:r>
+              <a:rPr lang="en-US" baseline="0" dirty="0" err="1" smtClean="0"/>
+              <a:t>Solbrig’s</a:t>
+            </a:r>
             <a:r>
               <a:rPr lang="en-US" baseline="0" dirty="0" smtClean="0"/>
-              <a:t>How to exchange this information</a:t>
-            </a:r>
-          </a:p>
-          <a:p>
-            <a:endParaRPr lang="en-US" baseline="0" dirty="0" smtClean="0"/>
+              <a:t> presentation at HL7 last year.</a:t>
+            </a:r>
+          </a:p>
+          <a:p>
+            <a:r>
+              <a:rPr lang="en-US" baseline="0" dirty="0" smtClean="0"/>
+              <a:t>So you create instances of classes in your reference model and send it across.</a:t>
+            </a:r>
           </a:p>
         </p:txBody>
       </p:sp>
@@ -856,7 +861,7 @@
           <a:p>
             <a:fld id="{EF56746B-70A0-EC44-97DF-9E8D253B1298}" type="slidenum">
               <a:rPr lang="en-US" smtClean="0"/>
-              <a:t>12</a:t>
+              <a:t>11</a:t>
             </a:fld>
             <a:endParaRPr lang="en-US"/>
           </a:p>
@@ -920,43 +925,22 @@
           <a:lstStyle/>
           <a:p>
             <a:r>
+              <a:rPr lang="en-US" dirty="0" smtClean="0"/>
+              <a:t>But in my world, if my model stops at Hemoglobin test then</a:t>
+            </a:r>
+            <a:r>
               <a:rPr lang="en-US" baseline="0" dirty="0" smtClean="0"/>
-              <a:t>Another approach is bottom-up modeling or it is viewed as constraint modeling. This slide is replicated from </a:t>
-            </a:r>
-            <a:r>
-              <a:rPr lang="en-US" baseline="0" dirty="0" err="1" smtClean="0"/>
-              <a:t>Haold</a:t>
-            </a:r>
+              <a:t> any data about A1C test will not have any meaning or value.  So there is a problem. Even if there is a common model, users will extend it based on their needs and create data instances for the extensions.</a:t>
+            </a:r>
+          </a:p>
+          <a:p>
             <a:r>
               <a:rPr lang="en-US" baseline="0" dirty="0" smtClean="0"/>
-              <a:t> </a:t>
-            </a:r>
-            <a:r>
-              <a:rPr lang="en-US" baseline="0" dirty="0" err="1" smtClean="0"/>
-              <a:t>Solbrig’s</a:t>
-            </a:r>
-            <a:r>
-              <a:rPr lang="en-US" baseline="0" dirty="0" smtClean="0"/>
-              <a:t> slide because it captures Constraint modeling approach in a very concise way.</a:t>
-            </a:r>
-          </a:p>
-          <a:p>
-            <a:r>
-              <a:rPr lang="en-US" baseline="0" dirty="0" smtClean="0"/>
-              <a:t>In Constraint modeling we start from a general model – model with the all the classes and that becomes the most abstract level of exchange. We specialize these classes by narrowing down by constraining </a:t>
-            </a:r>
-          </a:p>
-          <a:p>
-            <a:r>
-              <a:rPr lang="en-US" baseline="0" dirty="0" smtClean="0"/>
-              <a:t>Elements on cardinality of their attributes, values and value ranges that they can be assigned. Whether the class members are optional , mandatory or prohibited. Any instance of our narrowed down view will be valid</a:t>
-            </a:r>
-          </a:p>
-          <a:p>
-            <a:r>
-              <a:rPr lang="en-US" baseline="0" dirty="0" smtClean="0"/>
-              <a:t>At the recipient's end of this shared model.  Enumeration subsets, renaming</a:t>
-            </a:r>
+              <a:t>How to exchange this information</a:t>
+            </a:r>
+          </a:p>
+          <a:p>
+            <a:endParaRPr lang="en-US" baseline="0" dirty="0" smtClean="0"/>
           </a:p>
         </p:txBody>
       </p:sp>
@@ -977,7 +961,7 @@
           <a:p>
             <a:fld id="{EF56746B-70A0-EC44-97DF-9E8D253B1298}" type="slidenum">
               <a:rPr lang="en-US" smtClean="0"/>
-              <a:t>13</a:t>
+              <a:t>12</a:t>
             </a:fld>
             <a:endParaRPr lang="en-US"/>
           </a:p>
@@ -1042,7 +1026,41 @@
           <a:p>
             <a:r>
               <a:rPr lang="en-US" baseline="0" dirty="0" smtClean="0"/>
-              <a:t>A Quick example of an archetype which defines an abnormal A1C test by defining constraints on the reference model classes and attributes.</a:t>
+              <a:t>Another approach is bottom-up modeling or it is viewed as constraint modeling. This slide is replicated from </a:t>
+            </a:r>
+            <a:r>
+              <a:rPr lang="en-US" baseline="0" dirty="0" err="1" smtClean="0"/>
+              <a:t>Haold</a:t>
+            </a:r>
+            <a:r>
+              <a:rPr lang="en-US" baseline="0" dirty="0" smtClean="0"/>
+              <a:t> </a:t>
+            </a:r>
+            <a:r>
+              <a:rPr lang="en-US" baseline="0" dirty="0" err="1" smtClean="0"/>
+              <a:t>Solbrig’s</a:t>
+            </a:r>
+            <a:r>
+              <a:rPr lang="en-US" baseline="0" dirty="0" smtClean="0"/>
+              <a:t> slide because it captures Constraint modeling approach in a very concise way.</a:t>
+            </a:r>
+          </a:p>
+          <a:p>
+            <a:r>
+              <a:rPr lang="en-US" baseline="0" dirty="0" smtClean="0"/>
+              <a:t>In Constraint modeling we start from a general model – model with the all the classes and that becomes the most abstract level of exchange. We specialize these classes by narrowing down by constraining </a:t>
+            </a:r>
+          </a:p>
+          <a:p>
+            <a:r>
+              <a:rPr lang="en-US" baseline="0" dirty="0" smtClean="0"/>
+              <a:t>Elements on cardinality of their attributes, values and value ranges that they can be assigned. Whether the class members are optional , mandatory or prohibited. Any instance of our narrowed down view will be valid</a:t>
+            </a:r>
+          </a:p>
+          <a:p>
+            <a:r>
+              <a:rPr lang="en-US" baseline="0" dirty="0" smtClean="0"/>
+              <a:t>At the recipient's end of this shared model.  Enumeration subsets, renaming</a:t>
             </a:r>
           </a:p>
         </p:txBody>
@@ -1064,7 +1082,7 @@
           <a:p>
             <a:fld id="{EF56746B-70A0-EC44-97DF-9E8D253B1298}" type="slidenum">
               <a:rPr lang="en-US" smtClean="0"/>
-              <a:t>14</a:t>
+              <a:t>13</a:t>
             </a:fld>
             <a:endParaRPr lang="en-US"/>
           </a:p>
@@ -1129,7 +1147,7 @@
           <a:p>
             <a:r>
               <a:rPr lang="en-US" baseline="0" dirty="0" smtClean="0"/>
-              <a:t>So we have a model which participating entities aware of and ‘reference’, it is called a reference model – A reference model defines classes, data types, modeling patterns. We see that we define constraint(s) based on our needs and what and how we want to use the RM. These constraints talk “About” the reference model and its elements. Constraint do not affect RM in any way. And that is how we have an archetype. An archetype talk about only ONE reference model.</a:t>
+              <a:t>A Quick example of an archetype which defines an abnormal A1C test by defining constraints on the reference model classes and attributes.</a:t>
             </a:r>
           </a:p>
         </p:txBody>
@@ -1151,7 +1169,7 @@
           <a:p>
             <a:fld id="{EF56746B-70A0-EC44-97DF-9E8D253B1298}" type="slidenum">
               <a:rPr lang="en-US" smtClean="0"/>
-              <a:t>15</a:t>
+              <a:t>14</a:t>
             </a:fld>
             <a:endParaRPr lang="en-US"/>
           </a:p>
@@ -1216,7 +1234,7 @@
           <a:p>
             <a:r>
               <a:rPr lang="en-US" baseline="0" dirty="0" smtClean="0"/>
-              <a:t>We can have an archetype library which is a set of archetypes of all sizes – that are all about a reference model.  Archetypes comes in all sizes, they can be just a simple, single constraint or can be lots of constraints and also by reusing existing archetypes.</a:t>
+              <a:t>So we have a model which participating entities aware of and ‘reference’, it is called a reference model – A reference model defines classes, data types, modeling patterns. We see that we define constraint(s) based on our needs and what and how we want to use the RM. These constraints talk “About” the reference model and its elements. Constraint do not affect RM in any way. And that is how we have an archetype. An archetype talk about only ONE reference model.</a:t>
             </a:r>
           </a:p>
         </p:txBody>
@@ -1238,7 +1256,7 @@
           <a:p>
             <a:fld id="{EF56746B-70A0-EC44-97DF-9E8D253B1298}" type="slidenum">
               <a:rPr lang="en-US" smtClean="0"/>
-              <a:t>16</a:t>
+              <a:t>15</a:t>
             </a:fld>
             <a:endParaRPr lang="en-US"/>
           </a:p>
@@ -1303,7 +1321,7 @@
           <a:p>
             <a:r>
               <a:rPr lang="en-US" baseline="0" dirty="0" smtClean="0"/>
-              <a:t>Lets look at a situation where an application works with a RM and implements the constraints without dealing with an archetype.  The constraints are Inside the application itself – It is not very flexible. </a:t>
+              <a:t>We can have an archetype library which is a set of archetypes of all sizes – that are all about a reference model.  Archetypes comes in all sizes, they can be just a simple, single constraint or can be lots of constraints and also by reusing existing archetypes.</a:t>
             </a:r>
           </a:p>
         </p:txBody>
@@ -1325,7 +1343,7 @@
           <a:p>
             <a:fld id="{EF56746B-70A0-EC44-97DF-9E8D253B1298}" type="slidenum">
               <a:rPr lang="en-US" smtClean="0"/>
-              <a:t>17</a:t>
+              <a:t>16</a:t>
             </a:fld>
             <a:endParaRPr lang="en-US"/>
           </a:p>
@@ -1390,13 +1408,7 @@
           <a:p>
             <a:r>
               <a:rPr lang="en-US" baseline="0" dirty="0" smtClean="0"/>
-              <a:t>With archetypes where an application employs with an archetype/archetype library as an external resource and just references RM to validate incoming instances by using archetypes.  </a:t>
-            </a:r>
-          </a:p>
-          <a:p>
-            <a:r>
-              <a:rPr lang="en-US" baseline="0" dirty="0" smtClean="0"/>
-              <a:t>Archetype libraries can be switched or constraints cab be changed without affecting the application itself.</a:t>
+              <a:t>Lets look at a situation where an application works with a RM and implements the constraints without dealing with an archetype.  The constraints are Inside the application itself – It is not very flexible. </a:t>
             </a:r>
           </a:p>
         </p:txBody>
@@ -1418,7 +1430,7 @@
           <a:p>
             <a:fld id="{EF56746B-70A0-EC44-97DF-9E8D253B1298}" type="slidenum">
               <a:rPr lang="en-US" smtClean="0"/>
-              <a:t>18</a:t>
+              <a:t>17</a:t>
             </a:fld>
             <a:endParaRPr lang="en-US"/>
           </a:p>
@@ -1483,11 +1495,14 @@
           <a:p>
             <a:r>
               <a:rPr lang="en-US" baseline="0" dirty="0" smtClean="0"/>
-              <a:t>Here we show an example of how an archetype might be created. First of all we have shared reference model.  This is a very simple model where element is the leaf node and item group is a collection of more item-groups or leaf nodes (ELEMENT).  Each item group can have a a meaning associated with it – tells what it means., using LINK. And a node item-group can have participation by a party – for example – and organization, patient, or care-giver.</a:t>
-            </a:r>
-          </a:p>
-          <a:p>
-            <a:endParaRPr lang="en-US" baseline="0" dirty="0" smtClean="0"/>
+              <a:t>With archetypes where an application employs with an archetype/archetype library as an external resource and just references RM to validate incoming instances by using archetypes.  </a:t>
+            </a:r>
+          </a:p>
+          <a:p>
+            <a:r>
+              <a:rPr lang="en-US" baseline="0" dirty="0" smtClean="0"/>
+              <a:t>Archetype libraries can be switched or constraints cab be changed without affecting the application itself.</a:t>
+            </a:r>
           </a:p>
         </p:txBody>
       </p:sp>
@@ -1508,7 +1523,7 @@
           <a:p>
             <a:fld id="{EF56746B-70A0-EC44-97DF-9E8D253B1298}" type="slidenum">
               <a:rPr lang="en-US" smtClean="0"/>
-              <a:t>19</a:t>
+              <a:t>18</a:t>
             </a:fld>
             <a:endParaRPr lang="en-US"/>
           </a:p>
@@ -1573,15 +1588,7 @@
           <a:p>
             <a:r>
               <a:rPr lang="en-US" baseline="0" dirty="0" smtClean="0"/>
-              <a:t>This example is about an archetype for patient’s specimen collection. You can see that simples archetype on the right is show the what body site the specimen comes from. Collecting a specimen is described by an archetype collection action and similarly receiving a specimen is by </a:t>
-            </a:r>
-            <a:r>
-              <a:rPr lang="en-US" baseline="0" dirty="0" err="1" smtClean="0"/>
-              <a:t>ReceiveAction</a:t>
-            </a:r>
-            <a:r>
-              <a:rPr lang="en-US" baseline="0" dirty="0" smtClean="0"/>
-              <a:t> archetype. Please note that Collection action uses an existing archetype to defined itself. Similarly Specimen itself is an archetype composed by using other smaller archetypes. It specializes a parent archetype “Material Entity”.</a:t>
+              <a:t>Here we show an example of how an archetype might be created. First of all we have shared reference model.  This is a very simple model where element is the leaf node and item group is a collection of more item-groups or leaf nodes (ELEMENT).  Each item group can have a a meaning associated with it – tells what it means., using LINK. And a node item-group can have participation by a party – for example – and organization, patient, or care-giver.</a:t>
             </a:r>
           </a:p>
           <a:p>
@@ -1606,7 +1613,7 @@
           <a:p>
             <a:fld id="{EF56746B-70A0-EC44-97DF-9E8D253B1298}" type="slidenum">
               <a:rPr lang="en-US" smtClean="0"/>
-              <a:t>20</a:t>
+              <a:t>19</a:t>
             </a:fld>
             <a:endParaRPr lang="en-US"/>
           </a:p>
@@ -1670,20 +1677,20 @@
           <a:lstStyle/>
           <a:p>
             <a:r>
-              <a:rPr lang="en-US" dirty="0" smtClean="0"/>
-              <a:t>Similarly we can</a:t>
-            </a:r>
-            <a:r>
               <a:rPr lang="en-US" baseline="0" dirty="0" smtClean="0"/>
-              <a:t> create more and more, as needed, the clinical models like Lab test, clinical statements, reports and what not.</a:t>
-            </a:r>
-          </a:p>
-          <a:p>
+              <a:t>This example is about an archetype for patient’s specimen collection. You can see that simples archetype on the right is show the what body site the specimen comes from. Collecting a specimen is described by an archetype collection action and similarly receiving a specimen is by </a:t>
+            </a:r>
+            <a:r>
+              <a:rPr lang="en-US" baseline="0" dirty="0" err="1" smtClean="0"/>
+              <a:t>ReceiveAction</a:t>
+            </a:r>
             <a:r>
               <a:rPr lang="en-US" baseline="0" dirty="0" smtClean="0"/>
-              <a:t>So a single global collection of shared clinical models is of great value to achieve improve interoperability.</a:t>
-            </a:r>
-            <a:endParaRPr lang="en-US" dirty="0"/>
+              <a:t> archetype. Please note that Collection action uses an existing archetype to defined itself. Similarly Specimen itself is an archetype composed by using other smaller archetypes. It specializes a parent archetype “Material Entity”.</a:t>
+            </a:r>
+          </a:p>
+          <a:p>
+            <a:endParaRPr lang="en-US" baseline="0" dirty="0" smtClean="0"/>
           </a:p>
         </p:txBody>
       </p:sp>
@@ -1704,7 +1711,7 @@
           <a:p>
             <a:fld id="{EF56746B-70A0-EC44-97DF-9E8D253B1298}" type="slidenum">
               <a:rPr lang="en-US" smtClean="0"/>
-              <a:t>21</a:t>
+              <a:t>20</a:t>
             </a:fld>
             <a:endParaRPr lang="en-US"/>
           </a:p>
@@ -1713,7 +1720,7 @@
     </p:spTree>
     <p:extLst>
       <p:ext uri="{BB962C8B-B14F-4D97-AF65-F5344CB8AC3E}">
-        <p14:creationId xmlns:p14="http://schemas.microsoft.com/office/powerpoint/2010/main" val="2877493123"/>
+        <p14:creationId xmlns:p14="http://schemas.microsoft.com/office/powerpoint/2010/main" val="3692830207"/>
       </p:ext>
     </p:extLst>
   </p:cSld>
@@ -1788,7 +1795,7 @@
           <a:p>
             <a:fld id="{EF56746B-70A0-EC44-97DF-9E8D253B1298}" type="slidenum">
               <a:rPr lang="en-US" smtClean="0"/>
-              <a:t>4</a:t>
+              <a:t>2</a:t>
             </a:fld>
             <a:endParaRPr lang="en-US"/>
           </a:p>
@@ -1797,7 +1804,7 @@
     </p:spTree>
     <p:extLst>
       <p:ext uri="{BB962C8B-B14F-4D97-AF65-F5344CB8AC3E}">
-        <p14:creationId xmlns:p14="http://schemas.microsoft.com/office/powerpoint/2010/main" val="2857900781"/>
+        <p14:creationId xmlns:p14="http://schemas.microsoft.com/office/powerpoint/2010/main" val="2686581408"/>
       </p:ext>
     </p:extLst>
   </p:cSld>
@@ -1851,6 +1858,20 @@
           <a:bodyPr/>
           <a:lstStyle/>
           <a:p>
+            <a:r>
+              <a:rPr lang="en-US" dirty="0" smtClean="0"/>
+              <a:t>Similarly we can</a:t>
+            </a:r>
+            <a:r>
+              <a:rPr lang="en-US" baseline="0" dirty="0" smtClean="0"/>
+              <a:t> create more and more, as needed, the clinical models like Lab test, clinical statements, reports and what not.</a:t>
+            </a:r>
+          </a:p>
+          <a:p>
+            <a:r>
+              <a:rPr lang="en-US" baseline="0" dirty="0" smtClean="0"/>
+              <a:t>So a single global collection of shared clinical models is of great value to achieve improve interoperability.</a:t>
+            </a:r>
             <a:endParaRPr lang="en-US" dirty="0"/>
           </a:p>
         </p:txBody>
@@ -1872,7 +1893,7 @@
           <a:p>
             <a:fld id="{EF56746B-70A0-EC44-97DF-9E8D253B1298}" type="slidenum">
               <a:rPr lang="en-US" smtClean="0"/>
-              <a:t>22</a:t>
+              <a:t>21</a:t>
             </a:fld>
             <a:endParaRPr lang="en-US"/>
           </a:p>
@@ -1881,7 +1902,7 @@
     </p:spTree>
     <p:extLst>
       <p:ext uri="{BB962C8B-B14F-4D97-AF65-F5344CB8AC3E}">
-        <p14:creationId xmlns:p14="http://schemas.microsoft.com/office/powerpoint/2010/main" val="2857900781"/>
+        <p14:creationId xmlns:p14="http://schemas.microsoft.com/office/powerpoint/2010/main" val="2877493123"/>
       </p:ext>
     </p:extLst>
   </p:cSld>
@@ -1935,14 +1956,6 @@
           <a:bodyPr/>
           <a:lstStyle/>
           <a:p>
-            <a:r>
-              <a:rPr lang="en-US" dirty="0" smtClean="0"/>
-              <a:t>In 2011 meeting</a:t>
-            </a:r>
-            <a:r>
-              <a:rPr lang="en-US" baseline="0" dirty="0" smtClean="0"/>
-              <a:t> of Modelers, participants concluded that having a shared repository of shared clinical information models will be of high value for interoperability.  They felt that the newly formed group would be independent of any standards group and ensure that models that are created are open and free to use. </a:t>
-            </a:r>
             <a:endParaRPr lang="en-US" dirty="0"/>
           </a:p>
         </p:txBody>
@@ -1964,7 +1977,7 @@
           <a:p>
             <a:fld id="{EF56746B-70A0-EC44-97DF-9E8D253B1298}" type="slidenum">
               <a:rPr lang="en-US" smtClean="0"/>
-              <a:t>23</a:t>
+              <a:t>22</a:t>
             </a:fld>
             <a:endParaRPr lang="en-US"/>
           </a:p>
@@ -1973,7 +1986,7 @@
     </p:spTree>
     <p:extLst>
       <p:ext uri="{BB962C8B-B14F-4D97-AF65-F5344CB8AC3E}">
-        <p14:creationId xmlns:p14="http://schemas.microsoft.com/office/powerpoint/2010/main" val="3356811677"/>
+        <p14:creationId xmlns:p14="http://schemas.microsoft.com/office/powerpoint/2010/main" val="2857900781"/>
       </p:ext>
     </p:extLst>
   </p:cSld>
@@ -2027,6 +2040,14 @@
           <a:bodyPr/>
           <a:lstStyle/>
           <a:p>
+            <a:r>
+              <a:rPr lang="en-US" dirty="0" smtClean="0"/>
+              <a:t>In 2011 meeting</a:t>
+            </a:r>
+            <a:r>
+              <a:rPr lang="en-US" baseline="0" dirty="0" smtClean="0"/>
+              <a:t> of Modelers, participants concluded that having a shared repository of shared clinical information models will be of high value for interoperability.  They felt that the newly formed group would be independent of any standards group and ensure that models that are created are open and free to use. </a:t>
+            </a:r>
             <a:endParaRPr lang="en-US" dirty="0"/>
           </a:p>
         </p:txBody>
@@ -2048,7 +2069,7 @@
           <a:p>
             <a:fld id="{EF56746B-70A0-EC44-97DF-9E8D253B1298}" type="slidenum">
               <a:rPr lang="en-US" smtClean="0"/>
-              <a:t>24</a:t>
+              <a:t>23</a:t>
             </a:fld>
             <a:endParaRPr lang="en-US"/>
           </a:p>
@@ -2132,7 +2153,7 @@
           <a:p>
             <a:fld id="{EF56746B-70A0-EC44-97DF-9E8D253B1298}" type="slidenum">
               <a:rPr lang="en-US" smtClean="0"/>
-              <a:t>25</a:t>
+              <a:t>24</a:t>
             </a:fld>
             <a:endParaRPr lang="en-US"/>
           </a:p>
@@ -2216,7 +2237,7 @@
           <a:p>
             <a:fld id="{EF56746B-70A0-EC44-97DF-9E8D253B1298}" type="slidenum">
               <a:rPr lang="en-US" smtClean="0"/>
-              <a:t>26</a:t>
+              <a:t>25</a:t>
             </a:fld>
             <a:endParaRPr lang="en-US"/>
           </a:p>
@@ -2279,34 +2300,6 @@
           <a:bodyPr/>
           <a:lstStyle/>
           <a:p>
-            <a:r>
-              <a:rPr lang="en-US" dirty="0" smtClean="0"/>
-              <a:t>CIMI</a:t>
-            </a:r>
-            <a:r>
-              <a:rPr lang="en-US" baseline="0" dirty="0" smtClean="0"/>
-              <a:t> shared repository enables developers of Health information system to re-use existing models that are reviewed. Initial load of models comes from </a:t>
-            </a:r>
-            <a:r>
-              <a:rPr lang="en-US" baseline="0" dirty="0" err="1" smtClean="0"/>
-              <a:t>OpenEHR</a:t>
-            </a:r>
-            <a:r>
-              <a:rPr lang="en-US" baseline="0" dirty="0" smtClean="0"/>
-              <a:t> archetypes and from IHC CEMs, about which we talk about shortly.</a:t>
-            </a:r>
-          </a:p>
-          <a:p>
-            <a:r>
-              <a:rPr lang="en-US" baseline="0" dirty="0" smtClean="0"/>
-              <a:t>So to get started with the models, a smaller but very generic reference model has been created – CIMI RM. Archetypes are based on CIMI RM and bound to standard terminology and ontologies. Models can be downloaded as-is for the use in EHRs.</a:t>
-            </a:r>
-          </a:p>
-          <a:p>
-            <a:r>
-              <a:rPr lang="en-US" baseline="0" dirty="0" smtClean="0"/>
-              <a:t>Translators will be added to import and export models in canonical model formats.</a:t>
-            </a:r>
             <a:endParaRPr lang="en-US" dirty="0"/>
           </a:p>
         </p:txBody>
@@ -2328,7 +2321,7 @@
           <a:p>
             <a:fld id="{EF56746B-70A0-EC44-97DF-9E8D253B1298}" type="slidenum">
               <a:rPr lang="en-US" smtClean="0"/>
-              <a:t>27</a:t>
+              <a:t>26</a:t>
             </a:fld>
             <a:endParaRPr lang="en-US"/>
           </a:p>
@@ -2391,6 +2384,34 @@
           <a:bodyPr/>
           <a:lstStyle/>
           <a:p>
+            <a:r>
+              <a:rPr lang="en-US" dirty="0" smtClean="0"/>
+              <a:t>CIMI</a:t>
+            </a:r>
+            <a:r>
+              <a:rPr lang="en-US" baseline="0" dirty="0" smtClean="0"/>
+              <a:t> shared repository enables developers of Health information system to re-use existing models that are reviewed. Initial load of models comes from </a:t>
+            </a:r>
+            <a:r>
+              <a:rPr lang="en-US" baseline="0" dirty="0" err="1" smtClean="0"/>
+              <a:t>OpenEHR</a:t>
+            </a:r>
+            <a:r>
+              <a:rPr lang="en-US" baseline="0" dirty="0" smtClean="0"/>
+              <a:t> archetypes and from IHC CEMs, about which we talk about shortly.</a:t>
+            </a:r>
+          </a:p>
+          <a:p>
+            <a:r>
+              <a:rPr lang="en-US" baseline="0" dirty="0" smtClean="0"/>
+              <a:t>So to get started with the models, a smaller but very generic reference model has been created – CIMI RM. Archetypes are based on CIMI RM and bound to standard terminology and ontologies. Models can be downloaded as-is for the use in EHRs.</a:t>
+            </a:r>
+          </a:p>
+          <a:p>
+            <a:r>
+              <a:rPr lang="en-US" baseline="0" dirty="0" smtClean="0"/>
+              <a:t>Translators will be added to import and export models in canonical model formats.</a:t>
+            </a:r>
             <a:endParaRPr lang="en-US" dirty="0"/>
           </a:p>
         </p:txBody>
@@ -2412,7 +2433,7 @@
           <a:p>
             <a:fld id="{EF56746B-70A0-EC44-97DF-9E8D253B1298}" type="slidenum">
               <a:rPr lang="en-US" smtClean="0"/>
-              <a:t>28</a:t>
+              <a:t>27</a:t>
             </a:fld>
             <a:endParaRPr lang="en-US"/>
           </a:p>
@@ -2475,31 +2496,7 @@
           <a:bodyPr/>
           <a:lstStyle/>
           <a:p>
-            <a:r>
-              <a:rPr lang="en-US" dirty="0" smtClean="0"/>
-              <a:t>CIMI</a:t>
-            </a:r>
-            <a:r>
-              <a:rPr lang="en-US" baseline="0" dirty="0" smtClean="0"/>
-              <a:t> shared repository enables developers of Health information system to re-use existing models that are reviewed. </a:t>
-            </a:r>
-            <a:r>
-              <a:rPr lang="en-US" baseline="0" dirty="0" smtClean="0"/>
-              <a:t>Jump starting the repository with models – we have models that come from </a:t>
-            </a:r>
-            <a:r>
-              <a:rPr lang="en-US" baseline="0" dirty="0" err="1" smtClean="0"/>
-              <a:t>OpenEHR</a:t>
-            </a:r>
-            <a:r>
-              <a:rPr lang="en-US" baseline="0" dirty="0" smtClean="0"/>
-              <a:t> </a:t>
-            </a:r>
-            <a:r>
-              <a:rPr lang="en-US" baseline="0" dirty="0" smtClean="0"/>
-              <a:t>archetypes in ADL format and the IHC CEM models converted to ADL format by GE-IHC team. They based on CIMI RM and possibly can be viewed and exported into other formats, as shown here.</a:t>
-            </a:r>
-            <a:endParaRPr lang="en-US" baseline="0" dirty="0" smtClean="0"/>
+            <a:endParaRPr lang="en-US" dirty="0"/>
           </a:p>
         </p:txBody>
       </p:sp>
@@ -2520,7 +2517,7 @@
           <a:p>
             <a:fld id="{EF56746B-70A0-EC44-97DF-9E8D253B1298}" type="slidenum">
               <a:rPr lang="en-US" smtClean="0"/>
-              <a:t>29</a:t>
+              <a:t>28</a:t>
             </a:fld>
             <a:endParaRPr lang="en-US"/>
           </a:p>
@@ -2585,35 +2582,19 @@
           <a:p>
             <a:r>
               <a:rPr lang="en-US" dirty="0" smtClean="0"/>
-              <a:t>HL7</a:t>
+              <a:t>CIMI</a:t>
             </a:r>
             <a:r>
               <a:rPr lang="en-US" baseline="0" dirty="0" smtClean="0"/>
-              <a:t> Templates – DCM, HL7 Flavored UML, trying to bridge some gaps between ADL and V3 Templates. Not sure how successful as their main wiki has a disclaimer.</a:t>
-            </a:r>
-          </a:p>
-          <a:p>
+              <a:t> shared repository enables developers of Health information system to re-use existing models that are reviewed. Jump starting the repository with models – we have models that come from </a:t>
+            </a:r>
             <a:r>
               <a:rPr lang="en-US" baseline="0" dirty="0" err="1" smtClean="0"/>
               <a:t>OpenEHR</a:t>
             </a:r>
             <a:r>
               <a:rPr lang="en-US" baseline="0" dirty="0" smtClean="0"/>
-              <a:t> has most traction so far. They have </a:t>
-            </a:r>
-            <a:r>
-              <a:rPr lang="en-US" baseline="0" dirty="0" err="1" smtClean="0"/>
-              <a:t>OpenEHR</a:t>
-            </a:r>
-            <a:r>
-              <a:rPr lang="en-US" baseline="0" dirty="0" smtClean="0"/>
-              <a:t> open source tools (by a company Ocean Informatics lead by Thomas Beale).</a:t>
-            </a:r>
-          </a:p>
-          <a:p>
-            <a:r>
-              <a:rPr lang="en-US" baseline="0" dirty="0" smtClean="0"/>
-              <a:t>Released Archetype Definition Language and its object model AOM- specifications. ADL formats comes from ODIN – Object Data Instance Notation.</a:t>
+              <a:t> archetypes in ADL format and the IHC CEM models converted to ADL format by GE-IHC team. They based on CIMI RM and possibly can be viewed and exported into other formats, as shown here.</a:t>
             </a:r>
           </a:p>
         </p:txBody>
@@ -2635,7 +2616,7 @@
           <a:p>
             <a:fld id="{EF56746B-70A0-EC44-97DF-9E8D253B1298}" type="slidenum">
               <a:rPr lang="en-US" smtClean="0"/>
-              <a:t>30</a:t>
+              <a:t>29</a:t>
             </a:fld>
             <a:endParaRPr lang="en-US"/>
           </a:p>
@@ -2700,21 +2681,36 @@
           <a:p>
             <a:r>
               <a:rPr lang="en-US" dirty="0" smtClean="0"/>
-              <a:t>ADL workbench – proprietary, written</a:t>
+              <a:t>HL7</a:t>
             </a:r>
             <a:r>
               <a:rPr lang="en-US" baseline="0" dirty="0" smtClean="0"/>
-              <a:t> in Eiffel, but efforts are underway to release it in and for Java.</a:t>
-            </a:r>
-            <a:r>
-              <a:rPr lang="en-US" dirty="0" smtClean="0"/>
-              <a:t>  There is no easy</a:t>
+              <a:t> Templates – DCM, HL7 Flavored UML, trying to bridge some gaps between ADL and V3 Templates. Not sure how successful as their main wiki has a disclaimer.</a:t>
+            </a:r>
+          </a:p>
+          <a:p>
+            <a:r>
+              <a:rPr lang="en-US" baseline="0" dirty="0" err="1" smtClean="0"/>
+              <a:t>OpenEHR</a:t>
             </a:r>
             <a:r>
               <a:rPr lang="en-US" baseline="0" dirty="0" smtClean="0"/>
-              <a:t> gateway to Model Driven Architecture.</a:t>
-            </a:r>
-            <a:endParaRPr lang="en-US" dirty="0"/>
+              <a:t> has most traction so far. They have </a:t>
+            </a:r>
+            <a:r>
+              <a:rPr lang="en-US" baseline="0" dirty="0" err="1" smtClean="0"/>
+              <a:t>OpenEHR</a:t>
+            </a:r>
+            <a:r>
+              <a:rPr lang="en-US" baseline="0" dirty="0" smtClean="0"/>
+              <a:t> open source tools (by a company Ocean Informatics lead by Thomas Beale).</a:t>
+            </a:r>
+          </a:p>
+          <a:p>
+            <a:r>
+              <a:rPr lang="en-US" baseline="0" dirty="0" smtClean="0"/>
+              <a:t>Released Archetype Definition Language and its object model AOM- specifications. ADL formats comes from ODIN – Object Data Instance Notation.</a:t>
+            </a:r>
           </a:p>
         </p:txBody>
       </p:sp>
@@ -2735,7 +2731,7 @@
           <a:p>
             <a:fld id="{EF56746B-70A0-EC44-97DF-9E8D253B1298}" type="slidenum">
               <a:rPr lang="en-US" smtClean="0"/>
-              <a:t>31</a:t>
+              <a:t>30</a:t>
             </a:fld>
             <a:endParaRPr lang="en-US"/>
           </a:p>
@@ -2798,22 +2794,7 @@
           <a:bodyPr/>
           <a:lstStyle/>
           <a:p>
-            <a:r>
-              <a:rPr lang="en-US" baseline="0" dirty="0" smtClean="0"/>
-              <a:t>With lots of information (clinical or non-clinical) being exchanged electronically in today’s world, it becomes really really important that information that is exchanged</a:t>
-            </a:r>
-          </a:p>
-          <a:p>
-            <a:r>
-              <a:rPr lang="en-US" baseline="0" dirty="0" smtClean="0"/>
-              <a:t>does not lose it what it is and what it means. How to be on the same page? In this new age of internet - semantics of the data being exchanged is equally </a:t>
-            </a:r>
-          </a:p>
-          <a:p>
-            <a:r>
-              <a:rPr lang="en-US" baseline="0" dirty="0" smtClean="0"/>
-              <a:t>(and sometime more) than what data literally displays.</a:t>
-            </a:r>
+            <a:endParaRPr lang="en-US" dirty="0"/>
           </a:p>
         </p:txBody>
       </p:sp>
@@ -2834,7 +2815,7 @@
           <a:p>
             <a:fld id="{EF56746B-70A0-EC44-97DF-9E8D253B1298}" type="slidenum">
               <a:rPr lang="en-US" smtClean="0"/>
-              <a:t>5</a:t>
+              <a:t>4</a:t>
             </a:fld>
             <a:endParaRPr lang="en-US"/>
           </a:p>
@@ -2843,7 +2824,7 @@
     </p:spTree>
     <p:extLst>
       <p:ext uri="{BB962C8B-B14F-4D97-AF65-F5344CB8AC3E}">
-        <p14:creationId xmlns:p14="http://schemas.microsoft.com/office/powerpoint/2010/main" val="3531369824"/>
+        <p14:creationId xmlns:p14="http://schemas.microsoft.com/office/powerpoint/2010/main" val="2857900781"/>
       </p:ext>
     </p:extLst>
   </p:cSld>
@@ -2899,11 +2880,19 @@
           <a:p>
             <a:r>
               <a:rPr lang="en-US" dirty="0" smtClean="0"/>
-              <a:t>Clinical Knowledge Manager</a:t>
+              <a:t>ADL workbench – proprietary, written</a:t>
             </a:r>
             <a:r>
               <a:rPr lang="en-US" baseline="0" dirty="0" smtClean="0"/>
-              <a:t> is an online collaboration portal for ADL archetypes.</a:t>
+              <a:t> in Eiffel, but efforts are underway to release it in and for Java.</a:t>
+            </a:r>
+            <a:r>
+              <a:rPr lang="en-US" dirty="0" smtClean="0"/>
+              <a:t>  There is no easy</a:t>
+            </a:r>
+            <a:r>
+              <a:rPr lang="en-US" baseline="0" dirty="0" smtClean="0"/>
+              <a:t> gateway to Model Driven Architecture.</a:t>
             </a:r>
             <a:endParaRPr lang="en-US" dirty="0"/>
           </a:p>
@@ -2926,7 +2915,7 @@
           <a:p>
             <a:fld id="{EF56746B-70A0-EC44-97DF-9E8D253B1298}" type="slidenum">
               <a:rPr lang="en-US" smtClean="0"/>
-              <a:t>32</a:t>
+              <a:t>31</a:t>
             </a:fld>
             <a:endParaRPr lang="en-US"/>
           </a:p>
@@ -2989,6 +2978,14 @@
           <a:bodyPr/>
           <a:lstStyle/>
           <a:p>
+            <a:r>
+              <a:rPr lang="en-US" dirty="0" smtClean="0"/>
+              <a:t>Clinical Knowledge Manager</a:t>
+            </a:r>
+            <a:r>
+              <a:rPr lang="en-US" baseline="0" dirty="0" smtClean="0"/>
+              <a:t> is an online collaboration portal for ADL archetypes.</a:t>
+            </a:r>
             <a:endParaRPr lang="en-US" dirty="0"/>
           </a:p>
         </p:txBody>
@@ -3010,7 +3007,7 @@
           <a:p>
             <a:fld id="{EF56746B-70A0-EC44-97DF-9E8D253B1298}" type="slidenum">
               <a:rPr lang="en-US" smtClean="0"/>
-              <a:t>33</a:t>
+              <a:t>32</a:t>
             </a:fld>
             <a:endParaRPr lang="en-US"/>
           </a:p>
@@ -3094,7 +3091,7 @@
           <a:p>
             <a:fld id="{EF56746B-70A0-EC44-97DF-9E8D253B1298}" type="slidenum">
               <a:rPr lang="en-US" smtClean="0"/>
-              <a:t>34</a:t>
+              <a:t>33</a:t>
             </a:fld>
             <a:endParaRPr lang="en-US"/>
           </a:p>
@@ -3178,7 +3175,7 @@
           <a:p>
             <a:fld id="{EF56746B-70A0-EC44-97DF-9E8D253B1298}" type="slidenum">
               <a:rPr lang="en-US" smtClean="0"/>
-              <a:t>35</a:t>
+              <a:t>34</a:t>
             </a:fld>
             <a:endParaRPr lang="en-US"/>
           </a:p>
@@ -3262,7 +3259,7 @@
           <a:p>
             <a:fld id="{EF56746B-70A0-EC44-97DF-9E8D253B1298}" type="slidenum">
               <a:rPr lang="en-US" smtClean="0"/>
-              <a:t>36</a:t>
+              <a:t>35</a:t>
             </a:fld>
             <a:endParaRPr lang="en-US"/>
           </a:p>
@@ -3346,7 +3343,7 @@
           <a:p>
             <a:fld id="{EF56746B-70A0-EC44-97DF-9E8D253B1298}" type="slidenum">
               <a:rPr lang="en-US" smtClean="0"/>
-              <a:t>37</a:t>
+              <a:t>36</a:t>
             </a:fld>
             <a:endParaRPr lang="en-US"/>
           </a:p>
@@ -3430,7 +3427,7 @@
           <a:p>
             <a:fld id="{EF56746B-70A0-EC44-97DF-9E8D253B1298}" type="slidenum">
               <a:rPr lang="en-US" smtClean="0"/>
-              <a:t>38</a:t>
+              <a:t>37</a:t>
             </a:fld>
             <a:endParaRPr lang="en-US"/>
           </a:p>
@@ -3493,14 +3490,6 @@
           <a:bodyPr/>
           <a:lstStyle/>
           <a:p>
-            <a:r>
-              <a:rPr lang="en-US" dirty="0" smtClean="0"/>
-              <a:t>What core</a:t>
-            </a:r>
-            <a:r>
-              <a:rPr lang="en-US" baseline="0" dirty="0" smtClean="0"/>
-              <a:t> RM elements that a model must have for Constraints to work.</a:t>
-            </a:r>
             <a:endParaRPr lang="en-US" dirty="0"/>
           </a:p>
         </p:txBody>
@@ -3522,7 +3511,7 @@
           <a:p>
             <a:fld id="{EF56746B-70A0-EC44-97DF-9E8D253B1298}" type="slidenum">
               <a:rPr lang="en-US" smtClean="0"/>
-              <a:t>39</a:t>
+              <a:t>38</a:t>
             </a:fld>
             <a:endParaRPr lang="en-US"/>
           </a:p>
@@ -3587,11 +3576,11 @@
           <a:p>
             <a:r>
               <a:rPr lang="en-US" dirty="0" smtClean="0"/>
-              <a:t>Archetype model guides</a:t>
+              <a:t>What core</a:t>
             </a:r>
             <a:r>
               <a:rPr lang="en-US" baseline="0" dirty="0" smtClean="0"/>
-              <a:t> us about creating Archetype library and archetype classes along with their version information.</a:t>
+              <a:t> RM elements that a model must have for Constraints to work.</a:t>
             </a:r>
             <a:endParaRPr lang="en-US" dirty="0"/>
           </a:p>
@@ -3614,7 +3603,7 @@
           <a:p>
             <a:fld id="{EF56746B-70A0-EC44-97DF-9E8D253B1298}" type="slidenum">
               <a:rPr lang="en-US" smtClean="0"/>
-              <a:t>40</a:t>
+              <a:t>39</a:t>
             </a:fld>
             <a:endParaRPr lang="en-US"/>
           </a:p>
@@ -3679,35 +3668,11 @@
           <a:p>
             <a:r>
               <a:rPr lang="en-US" dirty="0" smtClean="0"/>
-              <a:t>Central to AML. Define elements</a:t>
+              <a:t>Archetype model guides</a:t>
             </a:r>
             <a:r>
               <a:rPr lang="en-US" baseline="0" dirty="0" smtClean="0"/>
-              <a:t> which constrain the target RM. </a:t>
-            </a:r>
-            <a:r>
-              <a:rPr lang="en-US" baseline="0" dirty="0" err="1" smtClean="0"/>
-              <a:t>ComplexObjectConstraints</a:t>
-            </a:r>
-            <a:r>
-              <a:rPr lang="en-US" baseline="0" dirty="0" smtClean="0"/>
-              <a:t>, </a:t>
-            </a:r>
-            <a:r>
-              <a:rPr lang="en-US" baseline="0" dirty="0" err="1" smtClean="0"/>
-              <a:t>AttributeConstraints</a:t>
-            </a:r>
-            <a:r>
-              <a:rPr lang="en-US" baseline="0" dirty="0" smtClean="0"/>
-              <a:t>, </a:t>
-            </a:r>
-            <a:r>
-              <a:rPr lang="en-US" baseline="0" dirty="0" err="1" smtClean="0"/>
-              <a:t>TerminologyConstraints</a:t>
-            </a:r>
-            <a:r>
-              <a:rPr lang="en-US" baseline="0" dirty="0" smtClean="0"/>
-              <a:t> etc.</a:t>
+              <a:t> us about creating Archetype library and archetype classes along with their version information.</a:t>
             </a:r>
             <a:endParaRPr lang="en-US" dirty="0"/>
           </a:p>
@@ -3730,7 +3695,7 @@
           <a:p>
             <a:fld id="{EF56746B-70A0-EC44-97DF-9E8D253B1298}" type="slidenum">
               <a:rPr lang="en-US" smtClean="0"/>
-              <a:t>41</a:t>
+              <a:t>40</a:t>
             </a:fld>
             <a:endParaRPr lang="en-US"/>
           </a:p>
@@ -3795,27 +3760,19 @@
           <a:p>
             <a:r>
               <a:rPr lang="en-US" baseline="0" dirty="0" smtClean="0"/>
-              <a:t>Yes we can set standards, create schemas, share metadata etc. but standards don</a:t>
-            </a:r>
-            <a:r>
-              <a:rPr lang="fr-FR" baseline="0" dirty="0" smtClean="0"/>
-              <a:t>’</a:t>
-            </a:r>
+              <a:t>With lots of information (clinical or non-clinical) being exchanged electronically in today’s world, it becomes really really important that information that is exchanged</a:t>
+            </a:r>
+          </a:p>
+          <a:p>
             <a:r>
               <a:rPr lang="en-US" baseline="0" dirty="0" smtClean="0"/>
-              <a:t>t always mean interoperability. We have models, schemas, metadata that two systems exchange (if they can exchange).</a:t>
+              <a:t>does not lose it what it is and what it means. How to be on the same page? In this new age of internet - semantics of the data being exchanged is equally </a:t>
             </a:r>
           </a:p>
           <a:p>
             <a:r>
               <a:rPr lang="en-US" baseline="0" dirty="0" smtClean="0"/>
-              <a:t>Sometimes it requires additional transforms, maps to store semantics correctly. Imagine if multiple organizations are involved and being consistent with internal external maps/transforms is not always possible.</a:t>
-            </a:r>
-          </a:p>
-          <a:p>
-            <a:r>
-              <a:rPr lang="en-US" baseline="0" dirty="0" smtClean="0"/>
-              <a:t>Different ways are being used at different places to store data internally.</a:t>
+              <a:t>(and sometime more) than what data literally displays.</a:t>
             </a:r>
           </a:p>
         </p:txBody>
@@ -3837,7 +3794,7 @@
           <a:p>
             <a:fld id="{EF56746B-70A0-EC44-97DF-9E8D253B1298}" type="slidenum">
               <a:rPr lang="en-US" smtClean="0"/>
-              <a:t>6</a:t>
+              <a:t>5</a:t>
             </a:fld>
             <a:endParaRPr lang="en-US"/>
           </a:p>
@@ -3902,11 +3859,35 @@
           <a:p>
             <a:r>
               <a:rPr lang="en-US" dirty="0" smtClean="0"/>
-              <a:t>How</a:t>
+              <a:t>Central to AML. Define elements</a:t>
             </a:r>
             <a:r>
               <a:rPr lang="en-US" baseline="0" dirty="0" smtClean="0"/>
-              <a:t> to create identifiable items, namespaces and meaning linkage from classes.</a:t>
+              <a:t> which constrain the target RM. </a:t>
+            </a:r>
+            <a:r>
+              <a:rPr lang="en-US" baseline="0" dirty="0" err="1" smtClean="0"/>
+              <a:t>ComplexObjectConstraints</a:t>
+            </a:r>
+            <a:r>
+              <a:rPr lang="en-US" baseline="0" dirty="0" smtClean="0"/>
+              <a:t>, </a:t>
+            </a:r>
+            <a:r>
+              <a:rPr lang="en-US" baseline="0" dirty="0" err="1" smtClean="0"/>
+              <a:t>AttributeConstraints</a:t>
+            </a:r>
+            <a:r>
+              <a:rPr lang="en-US" baseline="0" dirty="0" smtClean="0"/>
+              <a:t>, </a:t>
+            </a:r>
+            <a:r>
+              <a:rPr lang="en-US" baseline="0" dirty="0" err="1" smtClean="0"/>
+              <a:t>TerminologyConstraints</a:t>
+            </a:r>
+            <a:r>
+              <a:rPr lang="en-US" baseline="0" dirty="0" smtClean="0"/>
+              <a:t> etc.</a:t>
             </a:r>
             <a:endParaRPr lang="en-US" dirty="0"/>
           </a:p>
@@ -3929,7 +3910,7 @@
           <a:p>
             <a:fld id="{EF56746B-70A0-EC44-97DF-9E8D253B1298}" type="slidenum">
               <a:rPr lang="en-US" smtClean="0"/>
-              <a:t>42</a:t>
+              <a:t>41</a:t>
             </a:fld>
             <a:endParaRPr lang="en-US"/>
           </a:p>
@@ -3994,11 +3975,11 @@
           <a:p>
             <a:r>
               <a:rPr lang="en-US" dirty="0" smtClean="0"/>
-              <a:t>Terminology</a:t>
+              <a:t>How</a:t>
             </a:r>
             <a:r>
               <a:rPr lang="en-US" baseline="0" dirty="0" smtClean="0"/>
-              <a:t> profile binds IDs and Terms to a terminology resource.</a:t>
+              <a:t> to create identifiable items, namespaces and meaning linkage from classes.</a:t>
             </a:r>
             <a:endParaRPr lang="en-US" dirty="0"/>
           </a:p>
@@ -4021,7 +4002,7 @@
           <a:p>
             <a:fld id="{EF56746B-70A0-EC44-97DF-9E8D253B1298}" type="slidenum">
               <a:rPr lang="en-US" smtClean="0"/>
-              <a:t>43</a:t>
+              <a:t>42</a:t>
             </a:fld>
             <a:endParaRPr lang="en-US"/>
           </a:p>
@@ -4086,11 +4067,11 @@
           <a:p>
             <a:r>
               <a:rPr lang="en-US" dirty="0" smtClean="0"/>
-              <a:t>Without</a:t>
+              <a:t>Terminology</a:t>
             </a:r>
             <a:r>
               <a:rPr lang="en-US" baseline="0" dirty="0" smtClean="0"/>
-              <a:t> tooling any standard or spec usually just remains a standard and no-one really uses it and it looses its claim to the value it proposed.</a:t>
+              <a:t> profile binds IDs and Terms to a terminology resource.</a:t>
             </a:r>
             <a:endParaRPr lang="en-US" dirty="0"/>
           </a:p>
@@ -4113,7 +4094,7 @@
           <a:p>
             <a:fld id="{EF56746B-70A0-EC44-97DF-9E8D253B1298}" type="slidenum">
               <a:rPr lang="en-US" smtClean="0"/>
-              <a:t>44</a:t>
+              <a:t>43</a:t>
             </a:fld>
             <a:endParaRPr lang="en-US"/>
           </a:p>
@@ -4122,7 +4103,7 @@
     </p:spTree>
     <p:extLst>
       <p:ext uri="{BB962C8B-B14F-4D97-AF65-F5344CB8AC3E}">
-        <p14:creationId xmlns:p14="http://schemas.microsoft.com/office/powerpoint/2010/main" val="2857900781"/>
+        <p14:creationId xmlns:p14="http://schemas.microsoft.com/office/powerpoint/2010/main" val="3356811677"/>
       </p:ext>
     </p:extLst>
   </p:cSld>
@@ -4178,32 +4159,13 @@
           <a:p>
             <a:r>
               <a:rPr lang="en-US" dirty="0" smtClean="0"/>
-              <a:t>AML Object model is inspired by</a:t>
+              <a:t>Without</a:t>
             </a:r>
             <a:r>
               <a:rPr lang="en-US" baseline="0" dirty="0" smtClean="0"/>
-              <a:t> ADL Object model AOM.</a:t>
-            </a:r>
-            <a:r>
-              <a:rPr lang="en-US" baseline="0" dirty="0"/>
-              <a:t> </a:t>
-            </a:r>
-            <a:r>
-              <a:rPr lang="en-US" baseline="0" dirty="0" smtClean="0"/>
-              <a:t>We have fulfilled AML RFP requirements – in most cases, by mapping components of ADL into AML.</a:t>
-            </a:r>
-          </a:p>
-          <a:p>
-            <a:r>
-              <a:rPr lang="en-US" baseline="0" dirty="0" smtClean="0"/>
-              <a:t>So it made sense to try AML specifications by creating archetypes in AML by converting ADL converting ADL archetypes into UML.</a:t>
-            </a:r>
-          </a:p>
-          <a:p>
-            <a:r>
-              <a:rPr lang="en-US" baseline="0" dirty="0" smtClean="0"/>
-              <a:t>To see real archetypes in AML world – made me excited to write this converter. Once we have archetype in AML, testing them and validating constraints comes next.</a:t>
-            </a:r>
+              <a:t> tooling any standard or spec usually just remains a standard and no-one really uses it and it looses its claim to the value it proposed.</a:t>
+            </a:r>
+            <a:endParaRPr lang="en-US" dirty="0"/>
           </a:p>
         </p:txBody>
       </p:sp>
@@ -4224,7 +4186,7 @@
           <a:p>
             <a:fld id="{EF56746B-70A0-EC44-97DF-9E8D253B1298}" type="slidenum">
               <a:rPr lang="en-US" smtClean="0"/>
-              <a:t>45</a:t>
+              <a:t>44</a:t>
             </a:fld>
             <a:endParaRPr lang="en-US"/>
           </a:p>
@@ -4233,7 +4195,7 @@
     </p:spTree>
     <p:extLst>
       <p:ext uri="{BB962C8B-B14F-4D97-AF65-F5344CB8AC3E}">
-        <p14:creationId xmlns:p14="http://schemas.microsoft.com/office/powerpoint/2010/main" val="3356811677"/>
+        <p14:creationId xmlns:p14="http://schemas.microsoft.com/office/powerpoint/2010/main" val="2857900781"/>
       </p:ext>
     </p:extLst>
   </p:cSld>
@@ -4287,7 +4249,34 @@
           <a:bodyPr/>
           <a:lstStyle/>
           <a:p>
-            <a:endParaRPr lang="en-US" dirty="0"/>
+            <a:r>
+              <a:rPr lang="en-US" dirty="0" smtClean="0"/>
+              <a:t>AML Object model is inspired by</a:t>
+            </a:r>
+            <a:r>
+              <a:rPr lang="en-US" baseline="0" dirty="0" smtClean="0"/>
+              <a:t> ADL Object model AOM.</a:t>
+            </a:r>
+            <a:r>
+              <a:rPr lang="en-US" baseline="0" dirty="0"/>
+              <a:t> </a:t>
+            </a:r>
+            <a:r>
+              <a:rPr lang="en-US" baseline="0" dirty="0" smtClean="0"/>
+              <a:t>We have fulfilled AML RFP requirements – in most cases, by mapping components of ADL into AML.</a:t>
+            </a:r>
+          </a:p>
+          <a:p>
+            <a:r>
+              <a:rPr lang="en-US" baseline="0" dirty="0" smtClean="0"/>
+              <a:t>So it made sense to try AML specifications by creating archetypes in AML by converting ADL converting ADL archetypes into UML.</a:t>
+            </a:r>
+          </a:p>
+          <a:p>
+            <a:r>
+              <a:rPr lang="en-US" baseline="0" dirty="0" smtClean="0"/>
+              <a:t>To see real archetypes in AML world – made me excited to write this converter. Once we have archetype in AML, testing them and validating constraints comes next.</a:t>
+            </a:r>
           </a:p>
         </p:txBody>
       </p:sp>
@@ -4308,7 +4297,7 @@
           <a:p>
             <a:fld id="{EF56746B-70A0-EC44-97DF-9E8D253B1298}" type="slidenum">
               <a:rPr lang="en-US" smtClean="0"/>
-              <a:t>46</a:t>
+              <a:t>45</a:t>
             </a:fld>
             <a:endParaRPr lang="en-US"/>
           </a:p>
@@ -4392,7 +4381,7 @@
           <a:p>
             <a:fld id="{EF56746B-70A0-EC44-97DF-9E8D253B1298}" type="slidenum">
               <a:rPr lang="en-US" smtClean="0"/>
-              <a:t>47</a:t>
+              <a:t>46</a:t>
             </a:fld>
             <a:endParaRPr lang="en-US"/>
           </a:p>
@@ -4476,7 +4465,7 @@
           <a:p>
             <a:fld id="{EF56746B-70A0-EC44-97DF-9E8D253B1298}" type="slidenum">
               <a:rPr lang="en-US" smtClean="0"/>
-              <a:t>48</a:t>
+              <a:t>47</a:t>
             </a:fld>
             <a:endParaRPr lang="en-US"/>
           </a:p>
@@ -4560,7 +4549,7 @@
           <a:p>
             <a:fld id="{EF56746B-70A0-EC44-97DF-9E8D253B1298}" type="slidenum">
               <a:rPr lang="en-US" smtClean="0"/>
-              <a:t>49</a:t>
+              <a:t>48</a:t>
             </a:fld>
             <a:endParaRPr lang="en-US"/>
           </a:p>
@@ -4644,7 +4633,7 @@
           <a:p>
             <a:fld id="{EF56746B-70A0-EC44-97DF-9E8D253B1298}" type="slidenum">
               <a:rPr lang="en-US" smtClean="0"/>
-              <a:t>50</a:t>
+              <a:t>49</a:t>
             </a:fld>
             <a:endParaRPr lang="en-US"/>
           </a:p>
@@ -4728,7 +4717,7 @@
           <a:p>
             <a:fld id="{EF56746B-70A0-EC44-97DF-9E8D253B1298}" type="slidenum">
               <a:rPr lang="en-US" smtClean="0"/>
-              <a:t>51</a:t>
+              <a:t>50</a:t>
             </a:fld>
             <a:endParaRPr lang="en-US"/>
           </a:p>
@@ -4791,7 +4780,30 @@
           <a:bodyPr/>
           <a:lstStyle/>
           <a:p>
-            <a:endParaRPr lang="en-US" dirty="0"/>
+            <a:r>
+              <a:rPr lang="en-US" baseline="0" dirty="0" smtClean="0"/>
+              <a:t>Yes we can set standards, create schemas, share metadata etc. but standards don</a:t>
+            </a:r>
+            <a:r>
+              <a:rPr lang="fr-FR" baseline="0" dirty="0" smtClean="0"/>
+              <a:t>’</a:t>
+            </a:r>
+            <a:r>
+              <a:rPr lang="en-US" baseline="0" dirty="0" smtClean="0"/>
+              <a:t>t always mean interoperability. We have models, schemas, metadata that two systems exchange (if they can exchange).</a:t>
+            </a:r>
+          </a:p>
+          <a:p>
+            <a:r>
+              <a:rPr lang="en-US" baseline="0" dirty="0" smtClean="0"/>
+              <a:t>Sometimes it requires additional transforms, maps to store semantics correctly. Imagine if multiple organizations are involved and being consistent with internal external maps/transforms is not always possible.</a:t>
+            </a:r>
+          </a:p>
+          <a:p>
+            <a:r>
+              <a:rPr lang="en-US" baseline="0" dirty="0" smtClean="0"/>
+              <a:t>Different ways are being used at different places to store data internally.</a:t>
+            </a:r>
           </a:p>
         </p:txBody>
       </p:sp>
@@ -4812,7 +4824,7 @@
           <a:p>
             <a:fld id="{EF56746B-70A0-EC44-97DF-9E8D253B1298}" type="slidenum">
               <a:rPr lang="en-US" smtClean="0"/>
-              <a:t>7</a:t>
+              <a:t>6</a:t>
             </a:fld>
             <a:endParaRPr lang="en-US"/>
           </a:p>
@@ -4821,7 +4833,7 @@
     </p:spTree>
     <p:extLst>
       <p:ext uri="{BB962C8B-B14F-4D97-AF65-F5344CB8AC3E}">
-        <p14:creationId xmlns:p14="http://schemas.microsoft.com/office/powerpoint/2010/main" val="3356811677"/>
+        <p14:creationId xmlns:p14="http://schemas.microsoft.com/office/powerpoint/2010/main" val="3531369824"/>
       </p:ext>
     </p:extLst>
   </p:cSld>
@@ -4896,7 +4908,7 @@
           <a:p>
             <a:fld id="{EF56746B-70A0-EC44-97DF-9E8D253B1298}" type="slidenum">
               <a:rPr lang="en-US" smtClean="0"/>
-              <a:t>52</a:t>
+              <a:t>51</a:t>
             </a:fld>
             <a:endParaRPr lang="en-US"/>
           </a:p>
@@ -4980,7 +4992,7 @@
           <a:p>
             <a:fld id="{EF56746B-70A0-EC44-97DF-9E8D253B1298}" type="slidenum">
               <a:rPr lang="en-US" smtClean="0"/>
-              <a:t>53</a:t>
+              <a:t>52</a:t>
             </a:fld>
             <a:endParaRPr lang="en-US"/>
           </a:p>
@@ -5064,7 +5076,7 @@
           <a:p>
             <a:fld id="{EF56746B-70A0-EC44-97DF-9E8D253B1298}" type="slidenum">
               <a:rPr lang="en-US" smtClean="0"/>
-              <a:t>54</a:t>
+              <a:t>53</a:t>
             </a:fld>
             <a:endParaRPr lang="en-US"/>
           </a:p>
@@ -5148,7 +5160,7 @@
           <a:p>
             <a:fld id="{EF56746B-70A0-EC44-97DF-9E8D253B1298}" type="slidenum">
               <a:rPr lang="en-US" smtClean="0"/>
-              <a:t>55</a:t>
+              <a:t>54</a:t>
             </a:fld>
             <a:endParaRPr lang="en-US"/>
           </a:p>
@@ -5232,7 +5244,7 @@
           <a:p>
             <a:fld id="{EF56746B-70A0-EC44-97DF-9E8D253B1298}" type="slidenum">
               <a:rPr lang="en-US" smtClean="0"/>
-              <a:t>56</a:t>
+              <a:t>55</a:t>
             </a:fld>
             <a:endParaRPr lang="en-US"/>
           </a:p>
@@ -5316,7 +5328,7 @@
           <a:p>
             <a:fld id="{EF56746B-70A0-EC44-97DF-9E8D253B1298}" type="slidenum">
               <a:rPr lang="en-US" smtClean="0"/>
-              <a:t>57</a:t>
+              <a:t>56</a:t>
             </a:fld>
             <a:endParaRPr lang="en-US"/>
           </a:p>
@@ -5400,7 +5412,7 @@
           <a:p>
             <a:fld id="{EF56746B-70A0-EC44-97DF-9E8D253B1298}" type="slidenum">
               <a:rPr lang="en-US" smtClean="0"/>
-              <a:t>58</a:t>
+              <a:t>57</a:t>
             </a:fld>
             <a:endParaRPr lang="en-US"/>
           </a:p>
@@ -5463,14 +5475,6 @@
           <a:bodyPr/>
           <a:lstStyle/>
           <a:p>
-            <a:r>
-              <a:rPr lang="en-US" dirty="0" smtClean="0"/>
-              <a:t>Without</a:t>
-            </a:r>
-            <a:r>
-              <a:rPr lang="en-US" baseline="0" dirty="0" smtClean="0"/>
-              <a:t> tooling any standard or spec usually just remains a standard and no-one really uses it and it looses its claim to the value it proposed.</a:t>
-            </a:r>
             <a:endParaRPr lang="en-US" dirty="0"/>
           </a:p>
         </p:txBody>
@@ -5492,7 +5496,7 @@
           <a:p>
             <a:fld id="{EF56746B-70A0-EC44-97DF-9E8D253B1298}" type="slidenum">
               <a:rPr lang="en-US" smtClean="0"/>
-              <a:t>59</a:t>
+              <a:t>58</a:t>
             </a:fld>
             <a:endParaRPr lang="en-US"/>
           </a:p>
@@ -5501,7 +5505,7 @@
     </p:spTree>
     <p:extLst>
       <p:ext uri="{BB962C8B-B14F-4D97-AF65-F5344CB8AC3E}">
-        <p14:creationId xmlns:p14="http://schemas.microsoft.com/office/powerpoint/2010/main" val="2857900781"/>
+        <p14:creationId xmlns:p14="http://schemas.microsoft.com/office/powerpoint/2010/main" val="3356811677"/>
       </p:ext>
     </p:extLst>
   </p:cSld>
@@ -5555,6 +5559,14 @@
           <a:bodyPr/>
           <a:lstStyle/>
           <a:p>
+            <a:r>
+              <a:rPr lang="en-US" dirty="0" smtClean="0"/>
+              <a:t>Without</a:t>
+            </a:r>
+            <a:r>
+              <a:rPr lang="en-US" baseline="0" dirty="0" smtClean="0"/>
+              <a:t> tooling any standard or spec usually just remains a standard and no-one really uses it and it looses its claim to the value it proposed.</a:t>
+            </a:r>
             <a:endParaRPr lang="en-US" dirty="0"/>
           </a:p>
         </p:txBody>
@@ -5576,7 +5588,7 @@
           <a:p>
             <a:fld id="{EF56746B-70A0-EC44-97DF-9E8D253B1298}" type="slidenum">
               <a:rPr lang="en-US" smtClean="0"/>
-              <a:t>60</a:t>
+              <a:t>59</a:t>
             </a:fld>
             <a:endParaRPr lang="en-US"/>
           </a:p>
@@ -5585,7 +5597,7 @@
     </p:spTree>
     <p:extLst>
       <p:ext uri="{BB962C8B-B14F-4D97-AF65-F5344CB8AC3E}">
-        <p14:creationId xmlns:p14="http://schemas.microsoft.com/office/powerpoint/2010/main" val="3356811677"/>
+        <p14:creationId xmlns:p14="http://schemas.microsoft.com/office/powerpoint/2010/main" val="2857900781"/>
       </p:ext>
     </p:extLst>
   </p:cSld>
@@ -5660,7 +5672,7 @@
           <a:p>
             <a:fld id="{EF56746B-70A0-EC44-97DF-9E8D253B1298}" type="slidenum">
               <a:rPr lang="en-US" smtClean="0"/>
-              <a:t>61</a:t>
+              <a:t>60</a:t>
             </a:fld>
             <a:endParaRPr lang="en-US"/>
           </a:p>
@@ -5723,20 +5735,6 @@
           <a:bodyPr/>
           <a:lstStyle/>
           <a:p>
-            <a:r>
-              <a:rPr lang="en-US" dirty="0" smtClean="0"/>
-              <a:t>This slide shows</a:t>
-            </a:r>
-            <a:r>
-              <a:rPr lang="en-US" baseline="0" dirty="0" smtClean="0"/>
-              <a:t> how information about a diagnosis might be stored. Even though these three different healthcare providers are storing the same diagnosis, but how different they are as far as </a:t>
-            </a:r>
-          </a:p>
-          <a:p>
-            <a:r>
-              <a:rPr lang="en-US" baseline="0" dirty="0" smtClean="0"/>
-              <a:t>UI element goes and how the values are coordinates and stored.  Some people say that Oh may be they are not using the same model.</a:t>
-            </a:r>
             <a:endParaRPr lang="en-US" dirty="0"/>
           </a:p>
         </p:txBody>
@@ -5758,7 +5756,7 @@
           <a:p>
             <a:fld id="{EF56746B-70A0-EC44-97DF-9E8D253B1298}" type="slidenum">
               <a:rPr lang="en-US" smtClean="0"/>
-              <a:t>8</a:t>
+              <a:t>7</a:t>
             </a:fld>
             <a:endParaRPr lang="en-US"/>
           </a:p>
@@ -5767,7 +5765,7 @@
     </p:spTree>
     <p:extLst>
       <p:ext uri="{BB962C8B-B14F-4D97-AF65-F5344CB8AC3E}">
-        <p14:creationId xmlns:p14="http://schemas.microsoft.com/office/powerpoint/2010/main" val="2430588637"/>
+        <p14:creationId xmlns:p14="http://schemas.microsoft.com/office/powerpoint/2010/main" val="3356811677"/>
       </p:ext>
     </p:extLst>
   </p:cSld>
@@ -5778,6 +5776,90 @@
 </file>
 
 <file path=ppt/notesSlides/notesSlide60.xml><?xml version="1.0" encoding="utf-8"?>
+<p:notes xmlns:a="http://schemas.openxmlformats.org/drawingml/2006/main" xmlns:r="http://schemas.openxmlformats.org/officeDocument/2006/relationships" xmlns:p="http://schemas.openxmlformats.org/presentationml/2006/main">
+  <p:cSld>
+    <p:spTree>
+      <p:nvGrpSpPr>
+        <p:cNvPr id="1" name=""/>
+        <p:cNvGrpSpPr/>
+        <p:nvPr/>
+      </p:nvGrpSpPr>
+      <p:grpSpPr>
+        <a:xfrm>
+          <a:off x="0" y="0"/>
+          <a:ext cx="0" cy="0"/>
+          <a:chOff x="0" y="0"/>
+          <a:chExt cx="0" cy="0"/>
+        </a:xfrm>
+      </p:grpSpPr>
+      <p:sp>
+        <p:nvSpPr>
+          <p:cNvPr id="2" name="Slide Image Placeholder 1"/>
+          <p:cNvSpPr>
+            <a:spLocks noGrp="1" noRot="1" noChangeAspect="1"/>
+          </p:cNvSpPr>
+          <p:nvPr>
+            <p:ph type="sldImg"/>
+          </p:nvPr>
+        </p:nvSpPr>
+        <p:spPr/>
+      </p:sp>
+      <p:sp>
+        <p:nvSpPr>
+          <p:cNvPr id="3" name="Notes Placeholder 2"/>
+          <p:cNvSpPr>
+            <a:spLocks noGrp="1"/>
+          </p:cNvSpPr>
+          <p:nvPr>
+            <p:ph type="body" idx="1"/>
+          </p:nvPr>
+        </p:nvSpPr>
+        <p:spPr/>
+        <p:txBody>
+          <a:bodyPr/>
+          <a:lstStyle/>
+          <a:p>
+            <a:endParaRPr lang="en-US" dirty="0"/>
+          </a:p>
+        </p:txBody>
+      </p:sp>
+      <p:sp>
+        <p:nvSpPr>
+          <p:cNvPr id="4" name="Slide Number Placeholder 3"/>
+          <p:cNvSpPr>
+            <a:spLocks noGrp="1"/>
+          </p:cNvSpPr>
+          <p:nvPr>
+            <p:ph type="sldNum" sz="quarter" idx="10"/>
+          </p:nvPr>
+        </p:nvSpPr>
+        <p:spPr/>
+        <p:txBody>
+          <a:bodyPr/>
+          <a:lstStyle/>
+          <a:p>
+            <a:fld id="{EF56746B-70A0-EC44-97DF-9E8D253B1298}" type="slidenum">
+              <a:rPr lang="en-US" smtClean="0"/>
+              <a:t>61</a:t>
+            </a:fld>
+            <a:endParaRPr lang="en-US"/>
+          </a:p>
+        </p:txBody>
+      </p:sp>
+    </p:spTree>
+    <p:extLst>
+      <p:ext uri="{BB962C8B-B14F-4D97-AF65-F5344CB8AC3E}">
+        <p14:creationId xmlns:p14="http://schemas.microsoft.com/office/powerpoint/2010/main" val="3356811677"/>
+      </p:ext>
+    </p:extLst>
+  </p:cSld>
+  <p:clrMapOvr>
+    <a:masterClrMapping/>
+  </p:clrMapOvr>
+</p:notes>
+</file>
+
+<file path=ppt/notesSlides/notesSlide61.xml><?xml version="1.0" encoding="utf-8"?>
 <p:notes xmlns:a="http://schemas.openxmlformats.org/drawingml/2006/main" xmlns:r="http://schemas.openxmlformats.org/officeDocument/2006/relationships" xmlns:p="http://schemas.openxmlformats.org/presentationml/2006/main">
   <p:cSld>
     <p:spTree>
@@ -5907,11 +5989,17 @@
           <a:p>
             <a:r>
               <a:rPr lang="en-US" dirty="0" smtClean="0"/>
-              <a:t>But</a:t>
+              <a:t>This slide shows</a:t>
             </a:r>
             <a:r>
               <a:rPr lang="en-US" baseline="0" dirty="0" smtClean="0"/>
-              <a:t> here they seem to be using the exactly same model hierarchy but the way values are stored at each level.</a:t>
+              <a:t> how information about a diagnosis might be stored. Even though these three different healthcare providers are storing the same diagnosis, but how different they are as far as </a:t>
+            </a:r>
+          </a:p>
+          <a:p>
+            <a:r>
+              <a:rPr lang="en-US" baseline="0" dirty="0" smtClean="0"/>
+              <a:t>UI element goes and how the values are coordinates and stored.  Some people say that Oh may be they are not using the same model.</a:t>
             </a:r>
             <a:endParaRPr lang="en-US" dirty="0"/>
           </a:p>
@@ -5934,7 +6022,7 @@
           <a:p>
             <a:fld id="{EF56746B-70A0-EC44-97DF-9E8D253B1298}" type="slidenum">
               <a:rPr lang="en-US" smtClean="0"/>
-              <a:t>9</a:t>
+              <a:t>8</a:t>
             </a:fld>
             <a:endParaRPr lang="en-US"/>
           </a:p>
@@ -5943,7 +6031,7 @@
     </p:spTree>
     <p:extLst>
       <p:ext uri="{BB962C8B-B14F-4D97-AF65-F5344CB8AC3E}">
-        <p14:creationId xmlns:p14="http://schemas.microsoft.com/office/powerpoint/2010/main" val="98778574"/>
+        <p14:creationId xmlns:p14="http://schemas.microsoft.com/office/powerpoint/2010/main" val="2430588637"/>
       </p:ext>
     </p:extLst>
   </p:cSld>
@@ -5999,47 +6087,13 @@
           <a:p>
             <a:r>
               <a:rPr lang="en-US" dirty="0" smtClean="0"/>
-              <a:t>May be there is something about</a:t>
+              <a:t>But</a:t>
             </a:r>
             <a:r>
               <a:rPr lang="en-US" baseline="0" dirty="0" smtClean="0"/>
-              <a:t> how we model things. </a:t>
-            </a:r>
-            <a:r>
-              <a:rPr lang="en-US" dirty="0" smtClean="0"/>
-              <a:t>In a typical modeling approach</a:t>
-            </a:r>
-            <a:r>
-              <a:rPr lang="en-US" baseline="0" dirty="0" smtClean="0"/>
-              <a:t> </a:t>
-            </a:r>
-          </a:p>
-          <a:p>
-            <a:r>
-              <a:rPr lang="en-US" baseline="0" dirty="0" smtClean="0"/>
-              <a:t>when we model we follow the top down modeling approach.</a:t>
-            </a:r>
-          </a:p>
-          <a:p>
-            <a:r>
-              <a:rPr lang="en-US" baseline="0" dirty="0" smtClean="0"/>
-              <a:t>We start with the most abstract class at the top and we create subtypes specialize the subclasses</a:t>
-            </a:r>
-          </a:p>
-          <a:p>
-            <a:r>
-              <a:rPr lang="en-US" baseline="0" dirty="0" smtClean="0"/>
-              <a:t>By adding properties and relationships. We are actually keep adding more to the child classes.</a:t>
-            </a:r>
-          </a:p>
-          <a:p>
-            <a:r>
-              <a:rPr lang="en-US" baseline="0" dirty="0" smtClean="0"/>
-              <a:t>When we want to send data about a class, we create instance of that class and send it.</a:t>
-            </a:r>
-          </a:p>
-          <a:p>
-            <a:endParaRPr lang="en-US" baseline="0" dirty="0" smtClean="0"/>
+              <a:t> here they seem to be using the exactly same model hierarchy but the way values are stored at each level.</a:t>
+            </a:r>
+            <a:endParaRPr lang="en-US" dirty="0"/>
           </a:p>
         </p:txBody>
       </p:sp>
@@ -6060,7 +6114,7 @@
           <a:p>
             <a:fld id="{EF56746B-70A0-EC44-97DF-9E8D253B1298}" type="slidenum">
               <a:rPr lang="en-US" smtClean="0"/>
-              <a:t>10</a:t>
+              <a:t>9</a:t>
             </a:fld>
             <a:endParaRPr lang="en-US"/>
           </a:p>
@@ -6069,7 +6123,7 @@
     </p:spTree>
     <p:extLst>
       <p:ext uri="{BB962C8B-B14F-4D97-AF65-F5344CB8AC3E}">
-        <p14:creationId xmlns:p14="http://schemas.microsoft.com/office/powerpoint/2010/main" val="3692830207"/>
+        <p14:creationId xmlns:p14="http://schemas.microsoft.com/office/powerpoint/2010/main" val="98778574"/>
       </p:ext>
     </p:extLst>
   </p:cSld>
@@ -6125,26 +6179,47 @@
           <a:p>
             <a:r>
               <a:rPr lang="en-US" dirty="0" smtClean="0"/>
-              <a:t>This slide shows the instance data that is valid for that class level.  This</a:t>
+              <a:t>May be there is something about</a:t>
             </a:r>
             <a:r>
               <a:rPr lang="en-US" baseline="0" dirty="0" smtClean="0"/>
-              <a:t> slide was inspired by Harold </a:t>
-            </a:r>
-            <a:r>
-              <a:rPr lang="en-US" baseline="0" dirty="0" err="1" smtClean="0"/>
-              <a:t>Solbrig’s</a:t>
+              <a:t> how we model things. </a:t>
+            </a:r>
+            <a:r>
+              <a:rPr lang="en-US" dirty="0" smtClean="0"/>
+              <a:t>In a typical modeling approach</a:t>
             </a:r>
             <a:r>
               <a:rPr lang="en-US" baseline="0" dirty="0" smtClean="0"/>
-              <a:t> presentation at HL7 last year.</a:t>
+              <a:t> </a:t>
             </a:r>
           </a:p>
           <a:p>
             <a:r>
               <a:rPr lang="en-US" baseline="0" dirty="0" smtClean="0"/>
-              <a:t>So you create instances of classes in your reference model and send it across.</a:t>
-            </a:r>
+              <a:t>when we model we follow the top down modeling approach.</a:t>
+            </a:r>
+          </a:p>
+          <a:p>
+            <a:r>
+              <a:rPr lang="en-US" baseline="0" dirty="0" smtClean="0"/>
+              <a:t>We start with the most abstract class at the top and we create subtypes specialize the subclasses</a:t>
+            </a:r>
+          </a:p>
+          <a:p>
+            <a:r>
+              <a:rPr lang="en-US" baseline="0" dirty="0" smtClean="0"/>
+              <a:t>By adding properties and relationships. We are actually keep adding more to the child classes.</a:t>
+            </a:r>
+          </a:p>
+          <a:p>
+            <a:r>
+              <a:rPr lang="en-US" baseline="0" dirty="0" smtClean="0"/>
+              <a:t>When we want to send data about a class, we create instance of that class and send it.</a:t>
+            </a:r>
+          </a:p>
+          <a:p>
+            <a:endParaRPr lang="en-US" baseline="0" dirty="0" smtClean="0"/>
           </a:p>
         </p:txBody>
       </p:sp>
@@ -6165,7 +6240,7 @@
           <a:p>
             <a:fld id="{EF56746B-70A0-EC44-97DF-9E8D253B1298}" type="slidenum">
               <a:rPr lang="en-US" smtClean="0"/>
-              <a:t>11</a:t>
+              <a:t>10</a:t>
             </a:fld>
             <a:endParaRPr lang="en-US"/>
           </a:p>
@@ -10386,13 +10461,8 @@
             <a:pPr lvl="2"/>
             <a:r>
               <a:rPr lang="en-US" dirty="0" smtClean="0"/>
-              <a:t>Enumeration </a:t>
-            </a:r>
-            <a:r>
-              <a:rPr lang="en-US" dirty="0" smtClean="0"/>
-              <a:t>subsets</a:t>
-            </a:r>
-            <a:endParaRPr lang="en-US" dirty="0" smtClean="0"/>
+              <a:t>Enumeration subsets</a:t>
+            </a:r>
           </a:p>
         </p:txBody>
       </p:sp>
@@ -10567,7 +10637,6 @@
               <a:rPr lang="en-US" dirty="0" smtClean="0"/>
               <a:t>Constraints on shared model:</a:t>
             </a:r>
-            <a:endParaRPr lang="en-US" dirty="0" smtClean="0"/>
           </a:p>
           <a:p>
             <a:pPr marL="0" indent="0">
@@ -12214,11 +12283,7 @@
             </a:r>
             <a:r>
               <a:rPr lang="en-US" dirty="0" smtClean="0"/>
-              <a:t> </a:t>
-            </a:r>
-            <a:r>
-              <a:rPr lang="en-US" dirty="0" smtClean="0"/>
-              <a:t>== “A1C”,</a:t>
+              <a:t> == “A1C”,</a:t>
             </a:r>
           </a:p>
           <a:p>
@@ -12251,11 +12316,7 @@
             <a:pPr algn="ctr"/>
             <a:r>
               <a:rPr lang="en-US" dirty="0" smtClean="0"/>
-              <a:t>Other </a:t>
-            </a:r>
-            <a:r>
-              <a:rPr lang="en-US" dirty="0" smtClean="0"/>
-              <a:t>constraints…</a:t>
+              <a:t>Other constraints…</a:t>
             </a:r>
             <a:endParaRPr lang="en-US" dirty="0"/>
           </a:p>
@@ -13027,133 +13088,6 @@
           <p:nvPr/>
         </p:nvPicPr>
         <p:blipFill>
-          <a:blip r:embed="rId2">
-            <a:extLst>
-              <a:ext uri="{28A0092B-C50C-407E-A947-70E740481C1C}">
-                <a14:useLocalDpi xmlns:a14="http://schemas.microsoft.com/office/drawing/2010/main" val="0"/>
-              </a:ext>
-            </a:extLst>
-          </a:blip>
-          <a:stretch>
-            <a:fillRect/>
-          </a:stretch>
-        </p:blipFill>
-        <p:spPr>
-          <a:xfrm>
-            <a:off x="457200" y="1461014"/>
-            <a:ext cx="1168005" cy="1463970"/>
-          </a:xfrm>
-          <a:prstGeom prst="rect">
-            <a:avLst/>
-          </a:prstGeom>
-        </p:spPr>
-      </p:pic>
-      <p:sp>
-        <p:nvSpPr>
-          <p:cNvPr id="9" name="TextBox 8"/>
-          <p:cNvSpPr txBox="1"/>
-          <p:nvPr/>
-        </p:nvSpPr>
-        <p:spPr>
-          <a:xfrm>
-            <a:off x="2317916" y="1461014"/>
-            <a:ext cx="5843634" cy="1538883"/>
-          </a:xfrm>
-          <a:prstGeom prst="rect">
-            <a:avLst/>
-          </a:prstGeom>
-          <a:noFill/>
-        </p:spPr>
-        <p:txBody>
-          <a:bodyPr wrap="square" rtlCol="0">
-            <a:spAutoFit/>
-          </a:bodyPr>
-          <a:lstStyle/>
-          <a:p>
-            <a:r>
-              <a:rPr lang="en-US" sz="2400" b="1" dirty="0" smtClean="0"/>
-              <a:t>Dr. Christopher </a:t>
-            </a:r>
-            <a:r>
-              <a:rPr lang="en-US" sz="2400" b="1" dirty="0"/>
-              <a:t>G. Chute</a:t>
-            </a:r>
-            <a:r>
-              <a:rPr lang="en-US" sz="2400" dirty="0"/>
-              <a:t>, </a:t>
-            </a:r>
-            <a:r>
-              <a:rPr lang="en-US" sz="2400" dirty="0" smtClean="0"/>
-              <a:t>MD, Dr. P.H.</a:t>
-            </a:r>
-          </a:p>
-          <a:p>
-            <a:r>
-              <a:rPr lang="en-US" sz="1400" dirty="0" smtClean="0"/>
-              <a:t>Bloomberg Distinguished Professor of Health Informatics,</a:t>
-            </a:r>
-          </a:p>
-          <a:p>
-            <a:r>
-              <a:rPr lang="en-US" sz="1400" dirty="0" smtClean="0"/>
-              <a:t>Professor of Medicine, Public Health, and Nursing,</a:t>
-            </a:r>
-          </a:p>
-          <a:p>
-            <a:r>
-              <a:rPr lang="en-US" sz="1400" dirty="0" smtClean="0"/>
-              <a:t>Chief Health Information Research Officer,</a:t>
-            </a:r>
-          </a:p>
-          <a:p>
-            <a:r>
-              <a:rPr lang="en-US" sz="1400" dirty="0" smtClean="0"/>
-              <a:t>John Hopkins Medicine Professor,</a:t>
-            </a:r>
-          </a:p>
-          <a:p>
-            <a:r>
-              <a:rPr lang="en-US" sz="1400" dirty="0" smtClean="0"/>
-              <a:t>John Hopkins, Baltimore, Maryland.</a:t>
-            </a:r>
-          </a:p>
-        </p:txBody>
-      </p:sp>
-      <p:sp>
-        <p:nvSpPr>
-          <p:cNvPr id="10" name="TextBox 9"/>
-          <p:cNvSpPr txBox="1"/>
-          <p:nvPr/>
-        </p:nvSpPr>
-        <p:spPr>
-          <a:xfrm>
-            <a:off x="2282392" y="3667665"/>
-            <a:ext cx="184666" cy="369332"/>
-          </a:xfrm>
-          <a:prstGeom prst="rect">
-            <a:avLst/>
-          </a:prstGeom>
-          <a:noFill/>
-        </p:spPr>
-        <p:txBody>
-          <a:bodyPr wrap="none" rtlCol="0">
-            <a:spAutoFit/>
-          </a:bodyPr>
-          <a:lstStyle/>
-          <a:p>
-            <a:endParaRPr lang="en-US" dirty="0"/>
-          </a:p>
-        </p:txBody>
-      </p:sp>
-      <p:pic>
-        <p:nvPicPr>
-          <p:cNvPr id="11" name="Picture 10" descr="Screen Shot 2015-04-22 at 1.51.06 PM.png"/>
-          <p:cNvPicPr>
-            <a:picLocks noChangeAspect="1"/>
-          </p:cNvPicPr>
-          <p:nvPr/>
-        </p:nvPicPr>
-        <p:blipFill>
           <a:blip r:embed="rId3">
             <a:extLst>
               <a:ext uri="{28A0092B-C50C-407E-A947-70E740481C1C}">
@@ -13167,6 +13101,141 @@
         </p:blipFill>
         <p:spPr>
           <a:xfrm>
+            <a:off x="457200" y="1461014"/>
+            <a:ext cx="1168005" cy="1463970"/>
+          </a:xfrm>
+          <a:prstGeom prst="rect">
+            <a:avLst/>
+          </a:prstGeom>
+        </p:spPr>
+      </p:pic>
+      <p:sp>
+        <p:nvSpPr>
+          <p:cNvPr id="9" name="TextBox 8"/>
+          <p:cNvSpPr txBox="1"/>
+          <p:nvPr/>
+        </p:nvSpPr>
+        <p:spPr>
+          <a:xfrm>
+            <a:off x="2317916" y="1461014"/>
+            <a:ext cx="5843634" cy="1538883"/>
+          </a:xfrm>
+          <a:prstGeom prst="rect">
+            <a:avLst/>
+          </a:prstGeom>
+          <a:noFill/>
+        </p:spPr>
+        <p:txBody>
+          <a:bodyPr wrap="square" rtlCol="0">
+            <a:spAutoFit/>
+          </a:bodyPr>
+          <a:lstStyle/>
+          <a:p>
+            <a:r>
+              <a:rPr lang="en-US" sz="2400" b="1" dirty="0" smtClean="0"/>
+              <a:t>Dr. Christopher </a:t>
+            </a:r>
+            <a:r>
+              <a:rPr lang="en-US" sz="2400" b="1" dirty="0"/>
+              <a:t>G. Chute</a:t>
+            </a:r>
+            <a:r>
+              <a:rPr lang="en-US" sz="2400" dirty="0"/>
+              <a:t>, </a:t>
+            </a:r>
+            <a:r>
+              <a:rPr lang="en-US" sz="2400" dirty="0" smtClean="0"/>
+              <a:t>MD, Dr. P.H.</a:t>
+            </a:r>
+          </a:p>
+          <a:p>
+            <a:r>
+              <a:rPr lang="en-US" sz="1400" dirty="0" smtClean="0"/>
+              <a:t>Bloomberg Distinguished Professor of Health Informatics,</a:t>
+            </a:r>
+          </a:p>
+          <a:p>
+            <a:r>
+              <a:rPr lang="en-US" sz="1400" dirty="0" smtClean="0"/>
+              <a:t>Professor of Medicine, Public Health, and Nursing,</a:t>
+            </a:r>
+          </a:p>
+          <a:p>
+            <a:r>
+              <a:rPr lang="en-US" sz="1400" dirty="0" smtClean="0"/>
+              <a:t>Chief Health Information Research Officer,</a:t>
+            </a:r>
+          </a:p>
+          <a:p>
+            <a:r>
+              <a:rPr lang="en-US" sz="1400" dirty="0" smtClean="0"/>
+              <a:t>Johns </a:t>
+            </a:r>
+            <a:r>
+              <a:rPr lang="en-US" sz="1400" dirty="0" smtClean="0"/>
+              <a:t>Hopkins Medicine Professor,</a:t>
+            </a:r>
+          </a:p>
+          <a:p>
+            <a:r>
+              <a:rPr lang="en-US" sz="1400" dirty="0" smtClean="0"/>
+              <a:t>Johns </a:t>
+            </a:r>
+            <a:r>
+              <a:rPr lang="en-US" sz="1400" dirty="0" smtClean="0"/>
+              <a:t>Hopkins, Baltimore, Maryland.</a:t>
+            </a:r>
+          </a:p>
+        </p:txBody>
+      </p:sp>
+      <p:sp>
+        <p:nvSpPr>
+          <p:cNvPr id="10" name="TextBox 9"/>
+          <p:cNvSpPr txBox="1"/>
+          <p:nvPr/>
+        </p:nvSpPr>
+        <p:spPr>
+          <a:xfrm>
+            <a:off x="2282392" y="3667665"/>
+            <a:ext cx="184666" cy="369332"/>
+          </a:xfrm>
+          <a:prstGeom prst="rect">
+            <a:avLst/>
+          </a:prstGeom>
+          <a:noFill/>
+        </p:spPr>
+        <p:txBody>
+          <a:bodyPr wrap="none" rtlCol="0">
+            <a:spAutoFit/>
+          </a:bodyPr>
+          <a:lstStyle/>
+          <a:p>
+            <a:endParaRPr lang="en-US" dirty="0"/>
+          </a:p>
+        </p:txBody>
+      </p:sp>
+      <p:pic>
+        <p:nvPicPr>
+          <p:cNvPr id="11" name="Picture 10" descr="Screen Shot 2015-04-22 at 1.51.06 PM.png"/>
+          <p:cNvPicPr>
+            <a:picLocks noChangeAspect="1"/>
+          </p:cNvPicPr>
+          <p:nvPr/>
+        </p:nvPicPr>
+        <p:blipFill>
+          <a:blip r:embed="rId4">
+            <a:extLst>
+              <a:ext uri="{28A0092B-C50C-407E-A947-70E740481C1C}">
+                <a14:useLocalDpi xmlns:a14="http://schemas.microsoft.com/office/drawing/2010/main" val="0"/>
+              </a:ext>
+            </a:extLst>
+          </a:blip>
+          <a:stretch>
+            <a:fillRect/>
+          </a:stretch>
+        </p:blipFill>
+        <p:spPr>
+          <a:xfrm>
             <a:off x="457200" y="3107826"/>
             <a:ext cx="1164850" cy="1550809"/>
           </a:xfrm>
@@ -13247,7 +13316,7 @@
           <p:nvPr/>
         </p:nvPicPr>
         <p:blipFill>
-          <a:blip r:embed="rId4">
+          <a:blip r:embed="rId5">
             <a:extLst>
               <a:ext uri="{28A0092B-C50C-407E-A947-70E740481C1C}">
                 <a14:useLocalDpi xmlns:a14="http://schemas.microsoft.com/office/drawing/2010/main" val="0"/>
@@ -13786,27 +13855,7 @@
             </a:pPr>
             <a:r>
               <a:rPr lang="en-US" dirty="0" smtClean="0"/>
-              <a:t>We can create …. </a:t>
-            </a:r>
-            <a:r>
-              <a:rPr lang="en-US" dirty="0" smtClean="0"/>
-              <a:t>more</a:t>
-            </a:r>
-            <a:r>
-              <a:rPr lang="en-US" dirty="0" smtClean="0"/>
-              <a:t> </a:t>
-            </a:r>
-            <a:r>
-              <a:rPr lang="en-US" dirty="0" smtClean="0"/>
-              <a:t>Clinical </a:t>
-            </a:r>
-            <a:r>
-              <a:rPr lang="en-US" dirty="0" smtClean="0"/>
-              <a:t>Models  </a:t>
-            </a:r>
-            <a:r>
-              <a:rPr lang="en-US" dirty="0" smtClean="0"/>
-              <a:t>=&gt; </a:t>
+              <a:t>We can create …. more Clinical Models  =&gt; </a:t>
             </a:r>
             <a:endParaRPr lang="en-US" dirty="0"/>
           </a:p>
@@ -13842,11 +13891,7 @@
             </a:r>
             <a:r>
               <a:rPr lang="en-US" dirty="0" smtClean="0"/>
-              <a:t>		</a:t>
-            </a:r>
-            <a:r>
-              <a:rPr lang="en-US" dirty="0" smtClean="0"/>
-              <a:t>Diagnostics,</a:t>
+              <a:t>		Diagnostics,</a:t>
             </a:r>
           </a:p>
           <a:p>
@@ -13859,11 +13904,7 @@
             </a:r>
             <a:r>
               <a:rPr lang="en-US" dirty="0" smtClean="0"/>
-              <a:t>		</a:t>
-            </a:r>
-            <a:r>
-              <a:rPr lang="en-US" dirty="0" smtClean="0"/>
-              <a:t>Specimen , and so on…</a:t>
+              <a:t>		Specimen , and so on…</a:t>
             </a:r>
           </a:p>
           <a:p>
@@ -13882,11 +13923,7 @@
             </a:pPr>
             <a:r>
               <a:rPr lang="en-US" dirty="0" smtClean="0"/>
-              <a:t>“</a:t>
-            </a:r>
-            <a:r>
-              <a:rPr lang="en-US" dirty="0" smtClean="0"/>
-              <a:t>Shared Clinical Information Models” </a:t>
+              <a:t>“Shared Clinical Information Models” </a:t>
             </a:r>
           </a:p>
           <a:p>
@@ -14313,11 +14350,7 @@
             </a:pPr>
             <a:r>
               <a:rPr lang="en-US" dirty="0" smtClean="0"/>
-              <a:t>Mission </a:t>
-            </a:r>
-            <a:r>
-              <a:rPr lang="en-US" dirty="0" smtClean="0"/>
-              <a:t>Statement</a:t>
+              <a:t>Mission Statement</a:t>
             </a:r>
             <a:endParaRPr lang="en-US" dirty="0" smtClean="0">
               <a:latin typeface="Avenir Heavy"/>
@@ -14347,19 +14380,8 @@
                 <a:latin typeface="Avenir Heavy"/>
                 <a:cs typeface="Avenir Heavy"/>
               </a:rPr>
-              <a:t>models</a:t>
-            </a:r>
-            <a:r>
-              <a:rPr lang="en-US" dirty="0" smtClean="0">
-                <a:latin typeface="Avenir Heavy"/>
-                <a:cs typeface="Avenir Heavy"/>
-              </a:rPr>
-              <a:t>”</a:t>
-            </a:r>
-            <a:endParaRPr lang="en-US" dirty="0" smtClean="0">
-              <a:latin typeface="Avenir Heavy"/>
-              <a:cs typeface="Avenir Heavy"/>
-            </a:endParaRPr>
+              <a:t>models”</a:t>
+            </a:r>
           </a:p>
           <a:p>
             <a:pPr marL="457200" lvl="1" indent="0" algn="ctr">
@@ -14666,7 +14688,6 @@
               <a:rPr lang="en-US" b="1" dirty="0" smtClean="0"/>
               <a:t>”</a:t>
             </a:r>
-            <a:endParaRPr lang="en-US" b="1" dirty="0" smtClean="0"/>
           </a:p>
         </p:txBody>
       </p:sp>
@@ -15376,23 +15397,7 @@
                   <a:srgbClr val="000000"/>
                 </a:solidFill>
               </a:rPr>
-              <a:t>ADL </a:t>
-            </a:r>
-            <a:r>
-              <a:rPr lang="en-US" dirty="0" smtClean="0">
-                <a:solidFill>
-                  <a:srgbClr val="000000"/>
-                </a:solidFill>
-              </a:rPr>
-              <a:t>&amp; </a:t>
-            </a:r>
-            <a:r>
-              <a:rPr lang="en-US" dirty="0" smtClean="0">
-                <a:solidFill>
-                  <a:srgbClr val="000000"/>
-                </a:solidFill>
-              </a:rPr>
-              <a:t>AML</a:t>
+              <a:t>ADL &amp; AML</a:t>
             </a:r>
             <a:endParaRPr lang="en-US" dirty="0">
               <a:solidFill>
@@ -15431,15 +15436,7 @@
                   <a:srgbClr val="000000"/>
                 </a:solidFill>
               </a:rPr>
-              <a:t> </a:t>
-            </a:r>
-            <a:r>
-              <a:rPr lang="en-US" dirty="0">
-                <a:solidFill>
-                  <a:srgbClr val="000000"/>
-                </a:solidFill>
-              </a:rPr>
-              <a:t> </a:t>
+              <a:t>  </a:t>
             </a:r>
             <a:r>
               <a:rPr lang="en-US" dirty="0" smtClean="0">
@@ -15447,15 +15444,7 @@
                   <a:srgbClr val="000000"/>
                 </a:solidFill>
               </a:rPr>
-              <a:t>to </a:t>
-            </a:r>
-            <a:r>
-              <a:rPr lang="en-US" dirty="0" smtClean="0">
-                <a:solidFill>
-                  <a:srgbClr val="000000"/>
-                </a:solidFill>
-              </a:rPr>
-              <a:t>standard terminologies</a:t>
+              <a:t>to standard terminologies</a:t>
             </a:r>
             <a:endParaRPr lang="en-US" dirty="0">
               <a:solidFill>
@@ -16127,11 +16116,7 @@
           <a:p>
             <a:r>
               <a:rPr lang="en-US" dirty="0" smtClean="0"/>
-              <a:t>CIMI – </a:t>
-            </a:r>
-            <a:r>
-              <a:rPr lang="en-US" dirty="0" smtClean="0"/>
-              <a:t>Standard Terminologies</a:t>
+              <a:t>CIMI – Standard Terminologies</a:t>
             </a:r>
             <a:endParaRPr lang="en-US" dirty="0"/>
           </a:p>
@@ -16283,68 +16268,18 @@
                   <a:srgbClr val="000000"/>
                 </a:solidFill>
               </a:rPr>
-              <a:t>SNOMED </a:t>
-            </a:r>
+              <a:t>SNOMED CT CIMI Identifier for extension</a:t>
+            </a:r>
+          </a:p>
+          <a:p>
             <a:r>
               <a:rPr lang="en-US" dirty="0" smtClean="0">
                 <a:solidFill>
                   <a:srgbClr val="000000"/>
                 </a:solidFill>
               </a:rPr>
-              <a:t>CT </a:t>
-            </a:r>
-            <a:r>
-              <a:rPr lang="en-US" dirty="0" smtClean="0">
-                <a:solidFill>
-                  <a:srgbClr val="000000"/>
-                </a:solidFill>
-              </a:rPr>
-              <a:t>CIMI Identifier </a:t>
-            </a:r>
-            <a:r>
-              <a:rPr lang="en-US" dirty="0" smtClean="0">
-                <a:solidFill>
-                  <a:srgbClr val="000000"/>
-                </a:solidFill>
-              </a:rPr>
-              <a:t>for </a:t>
-            </a:r>
-            <a:r>
-              <a:rPr lang="en-US" dirty="0" smtClean="0">
-                <a:solidFill>
-                  <a:srgbClr val="000000"/>
-                </a:solidFill>
-              </a:rPr>
-              <a:t>extension</a:t>
-            </a:r>
-            <a:endParaRPr lang="en-US" dirty="0" smtClean="0">
-              <a:solidFill>
-                <a:srgbClr val="000000"/>
-              </a:solidFill>
-            </a:endParaRPr>
-          </a:p>
-          <a:p>
-            <a:r>
-              <a:rPr lang="en-US" dirty="0" smtClean="0">
-                <a:solidFill>
-                  <a:srgbClr val="000000"/>
-                </a:solidFill>
-              </a:rPr>
-              <a:t>Value-sets only by </a:t>
-            </a:r>
-            <a:r>
-              <a:rPr lang="en-US" dirty="0" smtClean="0">
-                <a:solidFill>
-                  <a:srgbClr val="000000"/>
-                </a:solidFill>
-              </a:rPr>
-              <a:t>reference vs. list of values</a:t>
-            </a:r>
-            <a:endParaRPr lang="en-US" dirty="0" smtClean="0">
-              <a:solidFill>
-                <a:srgbClr val="000000"/>
-              </a:solidFill>
-            </a:endParaRPr>
+              <a:t>Value-sets only by reference vs. list of values</a:t>
+            </a:r>
           </a:p>
         </p:txBody>
       </p:sp>
@@ -17216,14 +17151,12 @@
               <a:rPr lang="en-US" sz="2400" dirty="0" smtClean="0"/>
               <a:t>, MS</a:t>
             </a:r>
-            <a:endParaRPr lang="en-US" sz="2400" dirty="0" smtClean="0"/>
           </a:p>
           <a:p>
             <a:r>
               <a:rPr lang="en-US" sz="1400" dirty="0" smtClean="0"/>
               <a:t>Technical Specialist II,</a:t>
             </a:r>
-            <a:endParaRPr lang="en-US" sz="1400" dirty="0" smtClean="0"/>
           </a:p>
           <a:p>
             <a:r>
@@ -17396,23 +17329,7 @@
                   <a:srgbClr val="000000"/>
                 </a:solidFill>
               </a:rPr>
-              <a:t>HL7</a:t>
-            </a:r>
-            <a:r>
-              <a:rPr lang="en-US" dirty="0" smtClean="0">
-                <a:solidFill>
-                  <a:srgbClr val="000000"/>
-                </a:solidFill>
-              </a:rPr>
-              <a:t>: </a:t>
-            </a:r>
-            <a:r>
-              <a:rPr lang="en-US" dirty="0" smtClean="0">
-                <a:solidFill>
-                  <a:srgbClr val="000000"/>
-                </a:solidFill>
-              </a:rPr>
-              <a:t>Templates</a:t>
+              <a:t>HL7: Templates</a:t>
             </a:r>
           </a:p>
           <a:p>
@@ -17437,46 +17354,25 @@
                   <a:srgbClr val="000000"/>
                 </a:solidFill>
               </a:rPr>
-              <a:t>: Archetype Definition Language (ADL</a:t>
-            </a:r>
+              <a:t>: Archetype Definition Language (ADL)</a:t>
+            </a:r>
+          </a:p>
+          <a:p>
+            <a:endParaRPr lang="en-US" dirty="0" smtClean="0">
+              <a:solidFill>
+                <a:srgbClr val="000000"/>
+              </a:solidFill>
+            </a:endParaRPr>
+          </a:p>
+          <a:p>
             <a:r>
               <a:rPr lang="en-US" dirty="0" smtClean="0">
                 <a:solidFill>
                   <a:srgbClr val="000000"/>
                 </a:solidFill>
               </a:rPr>
-              <a:t>)</a:t>
-            </a:r>
-          </a:p>
-          <a:p>
-            <a:endParaRPr lang="en-US" dirty="0" smtClean="0">
-              <a:solidFill>
-                <a:srgbClr val="000000"/>
-              </a:solidFill>
-            </a:endParaRPr>
-          </a:p>
-          <a:p>
-            <a:r>
-              <a:rPr lang="en-US" dirty="0" smtClean="0">
-                <a:solidFill>
-                  <a:srgbClr val="000000"/>
-                </a:solidFill>
-              </a:rPr>
-              <a:t>GE-Intermountain Healthcare : Clinical Element Modeling Language (CEML</a:t>
-            </a:r>
-            <a:r>
-              <a:rPr lang="en-US" dirty="0" smtClean="0">
-                <a:solidFill>
-                  <a:srgbClr val="000000"/>
-                </a:solidFill>
-              </a:rPr>
-              <a:t>)</a:t>
-            </a:r>
-            <a:endParaRPr lang="en-US" dirty="0" smtClean="0">
-              <a:solidFill>
-                <a:srgbClr val="000000"/>
-              </a:solidFill>
-            </a:endParaRPr>
+              <a:t>GE-Intermountain Healthcare : Clinical Element Modeling Language (CEML)</a:t>
+            </a:r>
           </a:p>
         </p:txBody>
       </p:sp>
@@ -18502,53 +18398,21 @@
                   <a:srgbClr val="000000"/>
                 </a:solidFill>
               </a:rPr>
-              <a:t>AML Preliminary </a:t>
-            </a:r>
+              <a:t>AML Preliminary submission to OMG</a:t>
+            </a:r>
+          </a:p>
+          <a:p>
+            <a:pPr lvl="1">
+              <a:buFontTx/>
+              <a:buChar char="-"/>
+            </a:pPr>
             <a:r>
               <a:rPr lang="en-US" dirty="0" smtClean="0">
                 <a:solidFill>
                   <a:srgbClr val="000000"/>
                 </a:solidFill>
               </a:rPr>
-              <a:t>submission </a:t>
-            </a:r>
-            <a:r>
-              <a:rPr lang="en-US" dirty="0" smtClean="0">
-                <a:solidFill>
-                  <a:srgbClr val="000000"/>
-                </a:solidFill>
-              </a:rPr>
-              <a:t>to OMG</a:t>
-            </a:r>
-          </a:p>
-          <a:p>
-            <a:pPr lvl="1">
-              <a:buFontTx/>
-              <a:buChar char="-"/>
-            </a:pPr>
-            <a:r>
-              <a:rPr lang="en-US" dirty="0" smtClean="0">
-                <a:solidFill>
-                  <a:srgbClr val="000000"/>
-                </a:solidFill>
-              </a:rPr>
-              <a:t>in </a:t>
-            </a:r>
-            <a:r>
-              <a:rPr lang="en-US" dirty="0" smtClean="0">
-                <a:solidFill>
-                  <a:srgbClr val="000000"/>
-                </a:solidFill>
-              </a:rPr>
-              <a:t>November </a:t>
-            </a:r>
-            <a:r>
-              <a:rPr lang="en-US" dirty="0" smtClean="0">
-                <a:solidFill>
-                  <a:srgbClr val="000000"/>
-                </a:solidFill>
-              </a:rPr>
-              <a:t>2014</a:t>
+              <a:t>in November 2014</a:t>
             </a:r>
           </a:p>
           <a:p>
@@ -18573,15 +18437,7 @@
                   <a:srgbClr val="000000"/>
                 </a:solidFill>
               </a:rPr>
-              <a:t>Currently being revised</a:t>
-            </a:r>
-            <a:r>
-              <a:rPr lang="en-US" dirty="0" smtClean="0">
-                <a:solidFill>
-                  <a:srgbClr val="000000"/>
-                </a:solidFill>
-              </a:rPr>
-              <a:t>…</a:t>
+              <a:t>Currently being revised…</a:t>
             </a:r>
           </a:p>
           <a:p>
@@ -18945,48 +18801,22 @@
                   <a:srgbClr val="000000"/>
                 </a:solidFill>
               </a:rPr>
-              <a:t>UML is an OMG </a:t>
-            </a:r>
+              <a:t>UML is an OMG standard</a:t>
+            </a:r>
+          </a:p>
+          <a:p>
+            <a:pPr lvl="1">
+              <a:buFontTx/>
+              <a:buChar char="-"/>
+            </a:pPr>
             <a:r>
               <a:rPr lang="en-US" dirty="0" smtClean="0">
                 <a:solidFill>
                   <a:srgbClr val="000000"/>
                 </a:solidFill>
               </a:rPr>
-              <a:t>standard</a:t>
-            </a:r>
-            <a:endParaRPr lang="en-US" dirty="0" smtClean="0">
-              <a:solidFill>
-                <a:srgbClr val="000000"/>
-              </a:solidFill>
-            </a:endParaRPr>
-          </a:p>
-          <a:p>
-            <a:pPr lvl="1">
-              <a:buFontTx/>
-              <a:buChar char="-"/>
-            </a:pPr>
-            <a:r>
-              <a:rPr lang="en-US" dirty="0" smtClean="0">
-                <a:solidFill>
-                  <a:srgbClr val="000000"/>
-                </a:solidFill>
-              </a:rPr>
-              <a:t>Creating and exchanging </a:t>
-            </a:r>
-            <a:r>
-              <a:rPr lang="en-US" dirty="0" smtClean="0">
-                <a:solidFill>
-                  <a:srgbClr val="000000"/>
-                </a:solidFill>
-              </a:rPr>
-              <a:t>Models -  (XMI)</a:t>
-            </a:r>
-            <a:endParaRPr lang="en-US" dirty="0" smtClean="0">
-              <a:solidFill>
-                <a:srgbClr val="000000"/>
-              </a:solidFill>
-            </a:endParaRPr>
+              <a:t>Creating and exchanging Models -  (XMI)</a:t>
+            </a:r>
           </a:p>
           <a:p>
             <a:pPr lvl="1">
@@ -19013,29 +18843,8 @@
                   <a:srgbClr val="000000"/>
                 </a:solidFill>
               </a:rPr>
-              <a:t>Classes, Properties</a:t>
-            </a:r>
-            <a:r>
-              <a:rPr lang="en-US" dirty="0" smtClean="0">
-                <a:solidFill>
-                  <a:srgbClr val="000000"/>
-                </a:solidFill>
-              </a:rPr>
-              <a:t>, </a:t>
-            </a:r>
-            <a:r>
-              <a:rPr lang="en-US" dirty="0" smtClean="0">
-                <a:solidFill>
-                  <a:srgbClr val="000000"/>
-                </a:solidFill>
-              </a:rPr>
-              <a:t>Associations, Enumeration</a:t>
-            </a:r>
-            <a:endParaRPr lang="en-US" dirty="0" smtClean="0">
-              <a:solidFill>
-                <a:srgbClr val="000000"/>
-              </a:solidFill>
-            </a:endParaRPr>
+              <a:t>Classes, Properties, Associations, Enumeration</a:t>
+            </a:r>
           </a:p>
           <a:p>
             <a:pPr lvl="2">
@@ -19076,29 +18885,8 @@
                   <a:srgbClr val="000000"/>
                 </a:solidFill>
               </a:rPr>
-              <a:t>Stereotypes</a:t>
-            </a:r>
-            <a:r>
-              <a:rPr lang="en-US" dirty="0" smtClean="0">
-                <a:solidFill>
-                  <a:srgbClr val="000000"/>
-                </a:solidFill>
-              </a:rPr>
-              <a:t>, tags, </a:t>
-            </a:r>
-            <a:r>
-              <a:rPr lang="en-US" dirty="0" smtClean="0">
-                <a:solidFill>
-                  <a:srgbClr val="000000"/>
-                </a:solidFill>
-              </a:rPr>
-              <a:t>constraints (OCL)</a:t>
-            </a:r>
-            <a:endParaRPr lang="en-US" dirty="0" smtClean="0">
-              <a:solidFill>
-                <a:srgbClr val="000000"/>
-              </a:solidFill>
-            </a:endParaRPr>
+              <a:t>Stereotypes, tags, constraints (OCL)</a:t>
+            </a:r>
           </a:p>
           <a:p>
             <a:pPr lvl="2">
@@ -19113,11 +18901,6 @@
               </a:rPr>
               <a:t>Profiles </a:t>
             </a:r>
-            <a:endParaRPr lang="en-US" dirty="0" smtClean="0">
-              <a:solidFill>
-                <a:srgbClr val="000000"/>
-              </a:solidFill>
-            </a:endParaRPr>
           </a:p>
           <a:p>
             <a:pPr lvl="3">
@@ -19132,11 +18915,6 @@
               </a:rPr>
               <a:t>Collection of Stereotypes, domain specific</a:t>
             </a:r>
-            <a:endParaRPr lang="en-US" dirty="0" smtClean="0">
-              <a:solidFill>
-                <a:srgbClr val="000000"/>
-              </a:solidFill>
-            </a:endParaRPr>
           </a:p>
           <a:p>
             <a:pPr marL="457200" lvl="1" indent="0">
@@ -19483,15 +19261,7 @@
             </a:pPr>
             <a:r>
               <a:rPr lang="en-US" sz="3200" dirty="0" smtClean="0"/>
-              <a:t>Constraints </a:t>
-            </a:r>
-            <a:r>
-              <a:rPr lang="en-US" sz="3200" dirty="0" smtClean="0"/>
-              <a:t>are in “Object Constraint Language” – </a:t>
-            </a:r>
-            <a:r>
-              <a:rPr lang="en-US" sz="3200" dirty="0" smtClean="0"/>
-              <a:t>OCL:</a:t>
+              <a:t>Constraints are in “Object Constraint Language” – OCL:</a:t>
             </a:r>
           </a:p>
           <a:p>
@@ -19502,15 +19272,7 @@
             <a:pPr lvl="1"/>
             <a:r>
               <a:rPr lang="en-US" sz="2400" dirty="0" smtClean="0"/>
-              <a:t>Textual </a:t>
-            </a:r>
-            <a:r>
-              <a:rPr lang="en-US" sz="2400" dirty="0" smtClean="0"/>
-              <a:t>Language to describe constraints, e.g</a:t>
-            </a:r>
-            <a:r>
-              <a:rPr lang="en-US" sz="2400" dirty="0" smtClean="0"/>
-              <a:t>.</a:t>
+              <a:t>Textual Language to describe constraints, e.g.</a:t>
             </a:r>
           </a:p>
           <a:p>
@@ -19526,13 +19288,7 @@
               <a:rPr lang="en-US" sz="1400" dirty="0" smtClean="0">
                 <a:cs typeface="Courier New"/>
               </a:rPr>
-              <a:t>Context=</a:t>
-            </a:r>
-            <a:r>
-              <a:rPr lang="en-US" sz="1400" dirty="0" smtClean="0">
-                <a:cs typeface="Courier New"/>
-              </a:rPr>
-              <a:t>Patient  </a:t>
+              <a:t>Context=Patient  </a:t>
             </a:r>
           </a:p>
           <a:p>
@@ -19784,45 +19540,8 @@
                   <a:srgbClr val="000000"/>
                 </a:solidFill>
               </a:rPr>
-              <a:t>UML is OMG standard,</a:t>
-            </a:r>
-            <a:r>
-              <a:rPr lang="en-US" sz="3900" dirty="0" smtClean="0">
-                <a:solidFill>
-                  <a:srgbClr val="000000"/>
-                </a:solidFill>
-              </a:rPr>
-              <a:t> </a:t>
-            </a:r>
-            <a:r>
-              <a:rPr lang="en-US" sz="3900" dirty="0" smtClean="0">
-                <a:solidFill>
-                  <a:srgbClr val="000000"/>
-                </a:solidFill>
-              </a:rPr>
-              <a:t>non</a:t>
-            </a:r>
-            <a:r>
-              <a:rPr lang="en-US" sz="3900" dirty="0" smtClean="0">
-                <a:solidFill>
-                  <a:srgbClr val="000000"/>
-                </a:solidFill>
-              </a:rPr>
-              <a:t>-</a:t>
-            </a:r>
-            <a:r>
-              <a:rPr lang="en-US" sz="3900" dirty="0" smtClean="0">
-                <a:solidFill>
-                  <a:srgbClr val="000000"/>
-                </a:solidFill>
-              </a:rPr>
-              <a:t>proprietary</a:t>
-            </a:r>
-            <a:endParaRPr lang="en-US" sz="3900" dirty="0" smtClean="0">
-              <a:solidFill>
-                <a:srgbClr val="000000"/>
-              </a:solidFill>
-            </a:endParaRPr>
+              <a:t>UML is OMG standard, non-proprietary</a:t>
+            </a:r>
           </a:p>
           <a:p>
             <a:pPr lvl="1">
@@ -19849,59 +19568,22 @@
                   <a:srgbClr val="000000"/>
                 </a:solidFill>
               </a:rPr>
-              <a:t>Model</a:t>
-            </a:r>
+              <a:t>Model-Driven Architecture</a:t>
+            </a:r>
+          </a:p>
+          <a:p>
+            <a:pPr lvl="1">
+              <a:buFontTx/>
+              <a:buChar char="-"/>
+            </a:pPr>
             <a:r>
               <a:rPr lang="en-US" sz="3900" dirty="0" smtClean="0">
                 <a:solidFill>
                   <a:srgbClr val="000000"/>
                 </a:solidFill>
               </a:rPr>
-              <a:t>-Driven </a:t>
-            </a:r>
-            <a:r>
-              <a:rPr lang="en-US" sz="3900" dirty="0" smtClean="0">
-                <a:solidFill>
-                  <a:srgbClr val="000000"/>
-                </a:solidFill>
-              </a:rPr>
-              <a:t>Architecture</a:t>
-            </a:r>
-          </a:p>
-          <a:p>
-            <a:pPr lvl="1">
-              <a:buFontTx/>
-              <a:buChar char="-"/>
-            </a:pPr>
-            <a:r>
-              <a:rPr lang="en-US" sz="3900" dirty="0" smtClean="0">
-                <a:solidFill>
-                  <a:srgbClr val="000000"/>
-                </a:solidFill>
-              </a:rPr>
-              <a:t>AML works directly </a:t>
-            </a:r>
-            <a:r>
-              <a:rPr lang="en-US" sz="3900" dirty="0" smtClean="0">
-                <a:solidFill>
-                  <a:srgbClr val="000000"/>
-                </a:solidFill>
-              </a:rPr>
-              <a:t>with UML </a:t>
-            </a:r>
-            <a:r>
-              <a:rPr lang="en-US" sz="3900" dirty="0" smtClean="0">
-                <a:solidFill>
-                  <a:srgbClr val="000000"/>
-                </a:solidFill>
-              </a:rPr>
-              <a:t>RMs</a:t>
-            </a:r>
-            <a:endParaRPr lang="en-US" sz="3900" dirty="0" smtClean="0">
-              <a:solidFill>
-                <a:srgbClr val="000000"/>
-              </a:solidFill>
-            </a:endParaRPr>
+              <a:t>AML works directly with UML RMs</a:t>
+            </a:r>
           </a:p>
           <a:p>
             <a:pPr marL="457200" lvl="1" indent="0">
@@ -23959,11 +23641,6 @@
               </a:rPr>
               <a:t>predictably</a:t>
             </a:r>
-            <a:endParaRPr lang="en-US" dirty="0" smtClean="0">
-              <a:solidFill>
-                <a:srgbClr val="000000"/>
-              </a:solidFill>
-            </a:endParaRPr>
           </a:p>
           <a:p>
             <a:pPr marL="0" indent="0">
@@ -25392,11 +25069,7 @@
           <a:p>
             <a:r>
               <a:rPr lang="en-US" sz="4400" dirty="0" smtClean="0"/>
-              <a:t>Archetype Modeling </a:t>
-            </a:r>
-            <a:r>
-              <a:rPr lang="en-US" sz="4400" dirty="0" smtClean="0"/>
-              <a:t>Language </a:t>
+              <a:t>Archetype Modeling Language </a:t>
             </a:r>
             <a:r>
               <a:rPr lang="en-US" sz="4400" dirty="0" smtClean="0">
@@ -25695,9 +25368,6 @@
               </a:rPr>
               <a:t>Model (AML-OM) </a:t>
             </a:r>
-            <a:endParaRPr lang="en-US" dirty="0" smtClean="0">
-              <a:sym typeface="Wingdings"/>
-            </a:endParaRPr>
           </a:p>
           <a:p>
             <a:pPr lvl="1"/>
@@ -25717,13 +25387,7 @@
               <a:rPr lang="en-US" dirty="0" smtClean="0">
                 <a:sym typeface="Wingdings"/>
               </a:rPr>
-              <a:t>Model (AOM</a:t>
-            </a:r>
-            <a:r>
-              <a:rPr lang="en-US" dirty="0" smtClean="0">
-                <a:sym typeface="Wingdings"/>
-              </a:rPr>
-              <a:t>)</a:t>
+              <a:t>Model (AOM)</a:t>
             </a:r>
           </a:p>
           <a:p>
@@ -25751,13 +25415,7 @@
               <a:rPr lang="en-US" dirty="0" smtClean="0">
                 <a:sym typeface="Wingdings"/>
               </a:rPr>
-              <a:t>Map </a:t>
-            </a:r>
-            <a:r>
-              <a:rPr lang="en-US" dirty="0" smtClean="0">
-                <a:sym typeface="Wingdings"/>
-              </a:rPr>
-              <a:t>AOM  AML-OM</a:t>
+              <a:t>Map AOM  AML-OM</a:t>
             </a:r>
           </a:p>
           <a:p>
@@ -25769,41 +25427,8 @@
               <a:rPr lang="en-US" dirty="0" smtClean="0">
                 <a:sym typeface="Wingdings"/>
               </a:rPr>
-              <a:t>Developing a converter is </a:t>
-            </a:r>
-            <a:r>
-              <a:rPr lang="en-US" dirty="0" smtClean="0">
-                <a:sym typeface="Wingdings"/>
-              </a:rPr>
-              <a:t>to visualize </a:t>
-            </a:r>
-            <a:r>
-              <a:rPr lang="en-US" dirty="0" smtClean="0">
-                <a:sym typeface="Wingdings"/>
-              </a:rPr>
-              <a:t>real, existing</a:t>
-            </a:r>
-            <a:r>
-              <a:rPr lang="en-US" dirty="0" smtClean="0">
-                <a:sym typeface="Wingdings"/>
-              </a:rPr>
-              <a:t> archetypes </a:t>
-            </a:r>
-            <a:r>
-              <a:rPr lang="en-US" dirty="0" smtClean="0">
-                <a:sym typeface="Wingdings"/>
-              </a:rPr>
-              <a:t>in </a:t>
-            </a:r>
-            <a:r>
-              <a:rPr lang="en-US" dirty="0" smtClean="0">
-                <a:sym typeface="Wingdings"/>
-              </a:rPr>
-              <a:t>AML programmatically</a:t>
-            </a:r>
-            <a:endParaRPr lang="en-US" dirty="0" smtClean="0">
-              <a:sym typeface="Wingdings"/>
-            </a:endParaRPr>
+              <a:t>Developing a converter is to visualize real, existing archetypes in AML programmatically</a:t>
+            </a:r>
           </a:p>
           <a:p>
             <a:pPr marL="971550" lvl="1" indent="-514350">
@@ -25814,23 +25439,8 @@
               <a:rPr lang="en-US" dirty="0" smtClean="0">
                 <a:sym typeface="Wingdings"/>
               </a:rPr>
-              <a:t>Testing and Constraints validation </a:t>
-            </a:r>
-            <a:r>
-              <a:rPr lang="en-US" dirty="0" smtClean="0">
-                <a:sym typeface="Wingdings"/>
-              </a:rPr>
-              <a:t>comes </a:t>
-            </a:r>
-            <a:r>
-              <a:rPr lang="en-US" dirty="0" smtClean="0">
-                <a:sym typeface="Wingdings"/>
-              </a:rPr>
-              <a:t>next</a:t>
-            </a:r>
-            <a:endParaRPr lang="en-US" dirty="0" smtClean="0">
-              <a:sym typeface="Wingdings"/>
-            </a:endParaRPr>
+              <a:t>Testing and Constraints validation comes next</a:t>
+            </a:r>
           </a:p>
         </p:txBody>
       </p:sp>
@@ -26057,11 +25667,7 @@
           <a:p>
             <a:r>
               <a:rPr lang="en-US" dirty="0" smtClean="0"/>
-              <a:t>Sub</a:t>
-            </a:r>
-            <a:r>
-              <a:rPr lang="en-US" dirty="0" smtClean="0"/>
-              <a:t>-projects:</a:t>
+              <a:t>Sub-projects:</a:t>
             </a:r>
           </a:p>
           <a:p>
@@ -33749,11 +33355,7 @@
           <a:p>
             <a:r>
               <a:rPr lang="en-US" sz="4400" dirty="0" smtClean="0"/>
-              <a:t>Archetype Modeling </a:t>
-            </a:r>
-            <a:r>
-              <a:rPr lang="en-US" sz="4400" dirty="0" smtClean="0"/>
-              <a:t>Language </a:t>
+              <a:t>Archetype Modeling Language </a:t>
             </a:r>
             <a:r>
               <a:rPr lang="en-US" sz="4400" dirty="0" smtClean="0">
@@ -33775,11 +33377,7 @@
           <a:p>
             <a:r>
               <a:rPr lang="en-US" sz="4400" dirty="0" smtClean="0"/>
-              <a:t>AML </a:t>
-            </a:r>
-            <a:r>
-              <a:rPr lang="en-US" sz="4400" dirty="0" smtClean="0"/>
-              <a:t>Tooling </a:t>
+              <a:t>AML Tooling </a:t>
             </a:r>
             <a:r>
               <a:rPr lang="en-US" sz="4400" dirty="0">
@@ -34272,23 +33870,14 @@
             <a:pPr lvl="1"/>
             <a:r>
               <a:rPr lang="en-US" dirty="0" smtClean="0"/>
-              <a:t>Completed IBM RSA Business Intelligence Report Tool (BIRT) Template to dynamically generate </a:t>
-            </a:r>
+              <a:t>Completed IBM RSA Business Intelligence Report Tool (BIRT) Template to dynamically generate specifications</a:t>
+            </a:r>
+          </a:p>
+          <a:p>
+            <a:pPr lvl="1"/>
             <a:r>
               <a:rPr lang="en-US" dirty="0" smtClean="0"/>
-              <a:t>specifications</a:t>
-            </a:r>
-            <a:endParaRPr lang="en-US" dirty="0" smtClean="0"/>
-          </a:p>
-          <a:p>
-            <a:pPr lvl="1"/>
-            <a:r>
-              <a:rPr lang="en-US" dirty="0" smtClean="0"/>
-              <a:t>Completed Apache Velocity Template </a:t>
-            </a:r>
-            <a:r>
-              <a:rPr lang="en-US" dirty="0" smtClean="0"/>
-              <a:t>–</a:t>
+              <a:t>Completed Apache Velocity Template –</a:t>
             </a:r>
           </a:p>
           <a:p>
@@ -34297,11 +33886,7 @@
             </a:pPr>
             <a:r>
               <a:rPr lang="en-US" dirty="0" smtClean="0"/>
-              <a:t>IBM </a:t>
-            </a:r>
-            <a:r>
-              <a:rPr lang="en-US" dirty="0" smtClean="0"/>
-              <a:t>RSA </a:t>
+              <a:t>IBM RSA </a:t>
             </a:r>
             <a:r>
               <a:rPr lang="en-US" dirty="0" smtClean="0">
@@ -34322,11 +33907,7 @@
           <a:p>
             <a:r>
               <a:rPr lang="en-US" dirty="0" smtClean="0"/>
-              <a:t>AML </a:t>
-            </a:r>
-            <a:r>
-              <a:rPr lang="en-US" dirty="0" smtClean="0"/>
-              <a:t>API Layer over </a:t>
+              <a:t>AML API Layer over </a:t>
             </a:r>
             <a:r>
               <a:rPr lang="en-US" dirty="0" err="1" smtClean="0"/>
@@ -34352,11 +33933,7 @@
             <a:pPr lvl="1"/>
             <a:r>
               <a:rPr lang="en-US" dirty="0" smtClean="0"/>
-              <a:t>EA </a:t>
-            </a:r>
-            <a:r>
-              <a:rPr lang="en-US" dirty="0" smtClean="0"/>
-              <a:t>-&gt; RSA -&gt; MD, Release</a:t>
+              <a:t>EA -&gt; RSA -&gt; MD, Release</a:t>
             </a:r>
             <a:endParaRPr lang="en-US" dirty="0"/>
           </a:p>
@@ -34589,13 +34166,8 @@
           <a:p>
             <a:r>
               <a:rPr lang="en-US" dirty="0" smtClean="0"/>
-              <a:t>CIMI Modeling Task </a:t>
-            </a:r>
-            <a:r>
-              <a:rPr lang="en-US" dirty="0" smtClean="0"/>
-              <a:t>Force</a:t>
-            </a:r>
-            <a:endParaRPr lang="en-US" dirty="0" smtClean="0"/>
+              <a:t>CIMI Modeling Task Force</a:t>
+            </a:r>
           </a:p>
           <a:p>
             <a:r>
@@ -34817,13 +34389,8 @@
             </a:pPr>
             <a:r>
               <a:rPr lang="en-US" dirty="0" smtClean="0"/>
-              <a:t>Q</a:t>
-            </a:r>
-            <a:r>
-              <a:rPr lang="en-US" dirty="0" smtClean="0"/>
-              <a:t>uestions &amp; Comments</a:t>
-            </a:r>
-            <a:endParaRPr lang="en-US" dirty="0" smtClean="0"/>
+              <a:t>Questions &amp; Comments</a:t>
+            </a:r>
           </a:p>
           <a:p>
             <a:pPr marL="0" indent="0" algn="ctr">
@@ -34832,13 +34399,83 @@
             <a:endParaRPr lang="en-US" dirty="0"/>
           </a:p>
           <a:p>
-            <a:pPr marL="0" indent="0" algn="ctr">
+            <a:pPr marL="0" indent="0">
               <a:buNone/>
             </a:pPr>
-            <a:r>
-              <a:rPr lang="en-US" dirty="0" smtClean="0"/>
-              <a:t> </a:t>
-            </a:r>
+            <a:endParaRPr lang="en-US" sz="1400" dirty="0" smtClean="0"/>
+          </a:p>
+          <a:p>
+            <a:pPr marL="0" indent="0">
+              <a:buNone/>
+            </a:pPr>
+            <a:endParaRPr lang="en-US" sz="1400" dirty="0"/>
+          </a:p>
+          <a:p>
+            <a:pPr marL="0" indent="0">
+              <a:buNone/>
+            </a:pPr>
+            <a:endParaRPr lang="en-US" sz="1400" dirty="0" smtClean="0"/>
+          </a:p>
+          <a:p>
+            <a:pPr marL="0" indent="0">
+              <a:buNone/>
+            </a:pPr>
+            <a:endParaRPr lang="en-US" sz="1400" dirty="0"/>
+          </a:p>
+          <a:p>
+            <a:pPr marL="0" indent="0">
+              <a:buNone/>
+            </a:pPr>
+            <a:endParaRPr lang="en-US" sz="1400" dirty="0" smtClean="0"/>
+          </a:p>
+          <a:p>
+            <a:pPr marL="0" indent="0">
+              <a:buNone/>
+            </a:pPr>
+            <a:r>
+              <a:rPr lang="en-US" sz="1400" dirty="0" smtClean="0"/>
+              <a:t>This presentation is at:</a:t>
+            </a:r>
+          </a:p>
+          <a:p>
+            <a:pPr marL="0" indent="0">
+              <a:buNone/>
+            </a:pPr>
+            <a:r>
+              <a:rPr lang="en-US" sz="1400" dirty="0">
+                <a:hlinkClick r:id="rId3"/>
+              </a:rPr>
+              <a:t>https://github.com/semantix/AMLTooling/blob/master/docs/</a:t>
+            </a:r>
+            <a:r>
+              <a:rPr lang="en-US" sz="1400" dirty="0" smtClean="0">
+                <a:hlinkClick r:id="rId3"/>
+              </a:rPr>
+              <a:t>AMLTooling_Short.pptx</a:t>
+            </a:r>
+            <a:endParaRPr lang="en-US" sz="1400" dirty="0" smtClean="0"/>
+          </a:p>
+          <a:p>
+            <a:pPr marL="0" indent="0">
+              <a:buNone/>
+            </a:pPr>
+            <a:r>
+              <a:rPr lang="en-US" sz="1400" dirty="0" smtClean="0"/>
+              <a:t>Send me an email at: </a:t>
+            </a:r>
+            <a:r>
+              <a:rPr lang="en-US" sz="1400" dirty="0" smtClean="0">
+                <a:hlinkClick r:id="rId4"/>
+              </a:rPr>
+              <a:t>sharm110@umn.edu</a:t>
+            </a:r>
+            <a:endParaRPr lang="en-US" sz="1400" dirty="0" smtClean="0"/>
+          </a:p>
+          <a:p>
+            <a:pPr marL="0" indent="0">
+              <a:buNone/>
+            </a:pPr>
+            <a:endParaRPr lang="en-US" sz="1400" dirty="0" smtClean="0"/>
           </a:p>
         </p:txBody>
       </p:sp>
